--- a/Lecture Note/lecture-slides.pptx
+++ b/Lecture Note/lecture-slides.pptx
@@ -7,7 +7,11 @@
   <p:sldIdLst>
     <p:sldId id="256" r:id="rId2"/>
     <p:sldId id="257" r:id="rId3"/>
-    <p:sldId id="258" r:id="rId4"/>
+    <p:sldId id="262" r:id="rId4"/>
+    <p:sldId id="261" r:id="rId5"/>
+    <p:sldId id="264" r:id="rId6"/>
+    <p:sldId id="258" r:id="rId7"/>
+    <p:sldId id="259" r:id="rId8"/>
   </p:sldIdLst>
   <p:sldSz cx="12192000" cy="6858000"/>
   <p:notesSz cx="6858000" cy="9144000"/>
@@ -106,6 +110,38 @@
       </a:defRPr>
     </a:lvl9pPr>
   </p:defaultTextStyle>
+  <p:extLst>
+    <p:ext uri="{521415D9-36F7-43E2-AB2F-B90AF26B5E84}">
+      <p14:sectionLst xmlns:p14="http://schemas.microsoft.com/office/powerpoint/2010/main">
+        <p14:section name="Default Section" id="{DE7E51A6-43D2-004C-9ADB-86BD9584DD3F}">
+          <p14:sldIdLst>
+            <p14:sldId id="256"/>
+          </p14:sldIdLst>
+        </p14:section>
+        <p14:section name="Recap on Autoencoder" id="{55766F27-D7E2-E24E-9A2F-DB4ECA9260D5}">
+          <p14:sldIdLst>
+            <p14:sldId id="257"/>
+            <p14:sldId id="262"/>
+            <p14:sldId id="261"/>
+          </p14:sldIdLst>
+        </p14:section>
+        <p14:section name="From Autoencoder to VAE" id="{B2201200-D4E6-0A4E-827B-8CB6490BB2E0}">
+          <p14:sldIdLst>
+            <p14:sldId id="264"/>
+            <p14:sldId id="258"/>
+          </p14:sldIdLst>
+        </p14:section>
+        <p14:section name="Objective" id="{F16F4040-0ED7-894D-A865-907C42238D4A}">
+          <p14:sldIdLst>
+            <p14:sldId id="259"/>
+          </p14:sldIdLst>
+        </p14:section>
+      </p14:sectionLst>
+    </p:ext>
+    <p:ext uri="{EFAFB233-063F-42B5-8137-9DF3F51BA10A}">
+      <p15:sldGuideLst xmlns:p15="http://schemas.microsoft.com/office/powerpoint/2012/main"/>
+    </p:ext>
+  </p:extLst>
 </p:presentation>
 </file>
 
@@ -3479,6 +3515,1119 @@
           </a:xfrm>
         </p:spPr>
       </p:pic>
+      <mc:AlternateContent xmlns:mc="http://schemas.openxmlformats.org/markup-compatibility/2006" xmlns:a14="http://schemas.microsoft.com/office/drawing/2010/main">
+        <mc:Choice Requires="a14">
+          <p:sp>
+            <p:nvSpPr>
+              <p:cNvPr id="5" name="TextBox 4">
+                <a:extLst>
+                  <a:ext uri="{FF2B5EF4-FFF2-40B4-BE49-F238E27FC236}">
+                    <a16:creationId xmlns:a16="http://schemas.microsoft.com/office/drawing/2014/main" id="{17598F8A-046C-944D-0218-1C93DB8DD703}"/>
+                  </a:ext>
+                </a:extLst>
+              </p:cNvPr>
+              <p:cNvSpPr txBox="1"/>
+              <p:nvPr/>
+            </p:nvSpPr>
+            <p:spPr>
+              <a:xfrm>
+                <a:off x="731363" y="2346680"/>
+                <a:ext cx="356461" cy="369332"/>
+              </a:xfrm>
+              <a:prstGeom prst="rect">
+                <a:avLst/>
+              </a:prstGeom>
+              <a:noFill/>
+            </p:spPr>
+            <p:txBody>
+              <a:bodyPr wrap="square" rtlCol="0">
+                <a:spAutoFit/>
+              </a:bodyPr>
+              <a:lstStyle/>
+              <a:p>
+                <a:pPr/>
+                <a14:m>
+                  <m:oMathPara xmlns:m="http://schemas.openxmlformats.org/officeDocument/2006/math">
+                    <m:oMathParaPr>
+                      <m:jc m:val="centerGroup"/>
+                    </m:oMathParaPr>
+                    <m:oMath xmlns:m="http://schemas.openxmlformats.org/officeDocument/2006/math">
+                      <m:r>
+                        <a:rPr lang="en-US" b="0" i="1" smtClean="0">
+                          <a:latin typeface="Cambria Math" panose="02040503050406030204" pitchFamily="18" charset="0"/>
+                        </a:rPr>
+                        <m:t>𝑥</m:t>
+                      </m:r>
+                    </m:oMath>
+                  </m:oMathPara>
+                </a14:m>
+                <a:endParaRPr lang="en-US" dirty="0"/>
+              </a:p>
+            </p:txBody>
+          </p:sp>
+        </mc:Choice>
+        <mc:Fallback xmlns="">
+          <p:sp>
+            <p:nvSpPr>
+              <p:cNvPr id="5" name="TextBox 4">
+                <a:extLst>
+                  <a:ext uri="{FF2B5EF4-FFF2-40B4-BE49-F238E27FC236}">
+                    <a16:creationId xmlns:a16="http://schemas.microsoft.com/office/drawing/2014/main" id="{17598F8A-046C-944D-0218-1C93DB8DD703}"/>
+                  </a:ext>
+                </a:extLst>
+              </p:cNvPr>
+              <p:cNvSpPr txBox="1">
+                <a:spLocks noRot="1" noChangeAspect="1" noMove="1" noResize="1" noEditPoints="1" noAdjustHandles="1" noChangeArrowheads="1" noChangeShapeType="1" noTextEdit="1"/>
+              </p:cNvSpPr>
+              <p:nvPr/>
+            </p:nvSpPr>
+            <p:spPr>
+              <a:xfrm>
+                <a:off x="731363" y="2346680"/>
+                <a:ext cx="356461" cy="369332"/>
+              </a:xfrm>
+              <a:prstGeom prst="rect">
+                <a:avLst/>
+              </a:prstGeom>
+              <a:blipFill>
+                <a:blip r:embed="rId3"/>
+                <a:stretch>
+                  <a:fillRect/>
+                </a:stretch>
+              </a:blipFill>
+            </p:spPr>
+            <p:txBody>
+              <a:bodyPr/>
+              <a:lstStyle/>
+              <a:p>
+                <a:r>
+                  <a:rPr lang="en-US">
+                    <a:noFill/>
+                  </a:rPr>
+                  <a:t> </a:t>
+                </a:r>
+              </a:p>
+            </p:txBody>
+          </p:sp>
+        </mc:Fallback>
+      </mc:AlternateContent>
+      <mc:AlternateContent xmlns:mc="http://schemas.openxmlformats.org/markup-compatibility/2006" xmlns:a14="http://schemas.microsoft.com/office/drawing/2010/main">
+        <mc:Choice Requires="a14">
+          <p:sp>
+            <p:nvSpPr>
+              <p:cNvPr id="6" name="TextBox 5">
+                <a:extLst>
+                  <a:ext uri="{FF2B5EF4-FFF2-40B4-BE49-F238E27FC236}">
+                    <a16:creationId xmlns:a16="http://schemas.microsoft.com/office/drawing/2014/main" id="{EB019B62-BE21-A314-F009-A23295EA49D9}"/>
+                  </a:ext>
+                </a:extLst>
+              </p:cNvPr>
+              <p:cNvSpPr txBox="1"/>
+              <p:nvPr/>
+            </p:nvSpPr>
+            <p:spPr>
+              <a:xfrm>
+                <a:off x="5898543" y="2346680"/>
+                <a:ext cx="356461" cy="369332"/>
+              </a:xfrm>
+              <a:prstGeom prst="rect">
+                <a:avLst/>
+              </a:prstGeom>
+              <a:noFill/>
+            </p:spPr>
+            <p:txBody>
+              <a:bodyPr wrap="square" rtlCol="0">
+                <a:spAutoFit/>
+              </a:bodyPr>
+              <a:lstStyle/>
+              <a:p>
+                <a:pPr/>
+                <a14:m>
+                  <m:oMathPara xmlns:m="http://schemas.openxmlformats.org/officeDocument/2006/math">
+                    <m:oMathParaPr>
+                      <m:jc m:val="centerGroup"/>
+                    </m:oMathParaPr>
+                    <m:oMath xmlns:m="http://schemas.openxmlformats.org/officeDocument/2006/math">
+                      <m:acc>
+                        <m:accPr>
+                          <m:chr m:val="̂"/>
+                          <m:ctrlPr>
+                            <a:rPr lang="en-US" i="1" smtClean="0">
+                              <a:latin typeface="Cambria Math" panose="02040503050406030204" pitchFamily="18" charset="0"/>
+                            </a:rPr>
+                          </m:ctrlPr>
+                        </m:accPr>
+                        <m:e>
+                          <m:r>
+                            <a:rPr lang="en-US" b="0" i="1" smtClean="0">
+                              <a:latin typeface="Cambria Math" panose="02040503050406030204" pitchFamily="18" charset="0"/>
+                            </a:rPr>
+                            <m:t>𝑥</m:t>
+                          </m:r>
+                        </m:e>
+                      </m:acc>
+                    </m:oMath>
+                  </m:oMathPara>
+                </a14:m>
+                <a:endParaRPr lang="en-US" dirty="0"/>
+              </a:p>
+            </p:txBody>
+          </p:sp>
+        </mc:Choice>
+        <mc:Fallback xmlns="">
+          <p:sp>
+            <p:nvSpPr>
+              <p:cNvPr id="6" name="TextBox 5">
+                <a:extLst>
+                  <a:ext uri="{FF2B5EF4-FFF2-40B4-BE49-F238E27FC236}">
+                    <a16:creationId xmlns:a16="http://schemas.microsoft.com/office/drawing/2014/main" id="{EB019B62-BE21-A314-F009-A23295EA49D9}"/>
+                  </a:ext>
+                </a:extLst>
+              </p:cNvPr>
+              <p:cNvSpPr txBox="1">
+                <a:spLocks noRot="1" noChangeAspect="1" noMove="1" noResize="1" noEditPoints="1" noAdjustHandles="1" noChangeArrowheads="1" noChangeShapeType="1" noTextEdit="1"/>
+              </p:cNvSpPr>
+              <p:nvPr/>
+            </p:nvSpPr>
+            <p:spPr>
+              <a:xfrm>
+                <a:off x="5898543" y="2346680"/>
+                <a:ext cx="356461" cy="369332"/>
+              </a:xfrm>
+              <a:prstGeom prst="rect">
+                <a:avLst/>
+              </a:prstGeom>
+              <a:blipFill>
+                <a:blip r:embed="rId4"/>
+                <a:stretch>
+                  <a:fillRect/>
+                </a:stretch>
+              </a:blipFill>
+            </p:spPr>
+            <p:txBody>
+              <a:bodyPr/>
+              <a:lstStyle/>
+              <a:p>
+                <a:r>
+                  <a:rPr lang="en-US">
+                    <a:noFill/>
+                  </a:rPr>
+                  <a:t> </a:t>
+                </a:r>
+              </a:p>
+            </p:txBody>
+          </p:sp>
+        </mc:Fallback>
+      </mc:AlternateContent>
+      <mc:AlternateContent xmlns:mc="http://schemas.openxmlformats.org/markup-compatibility/2006" xmlns:a14="http://schemas.microsoft.com/office/drawing/2010/main">
+        <mc:Choice Requires="a14">
+          <p:sp>
+            <p:nvSpPr>
+              <p:cNvPr id="8" name="TextBox 7">
+                <a:extLst>
+                  <a:ext uri="{FF2B5EF4-FFF2-40B4-BE49-F238E27FC236}">
+                    <a16:creationId xmlns:a16="http://schemas.microsoft.com/office/drawing/2014/main" id="{10ED77B8-F578-FB2B-265E-9D8C3A34DDA8}"/>
+                  </a:ext>
+                </a:extLst>
+              </p:cNvPr>
+              <p:cNvSpPr txBox="1"/>
+              <p:nvPr/>
+            </p:nvSpPr>
+            <p:spPr>
+              <a:xfrm>
+                <a:off x="3276207" y="3059668"/>
+                <a:ext cx="356461" cy="369332"/>
+              </a:xfrm>
+              <a:prstGeom prst="rect">
+                <a:avLst/>
+              </a:prstGeom>
+              <a:noFill/>
+            </p:spPr>
+            <p:txBody>
+              <a:bodyPr wrap="square" rtlCol="0">
+                <a:spAutoFit/>
+              </a:bodyPr>
+              <a:lstStyle/>
+              <a:p>
+                <a:pPr/>
+                <a14:m>
+                  <m:oMathPara xmlns:m="http://schemas.openxmlformats.org/officeDocument/2006/math">
+                    <m:oMathParaPr>
+                      <m:jc m:val="centerGroup"/>
+                    </m:oMathParaPr>
+                    <m:oMath xmlns:m="http://schemas.openxmlformats.org/officeDocument/2006/math">
+                      <m:r>
+                        <a:rPr lang="en-US" b="0" i="1" smtClean="0">
+                          <a:latin typeface="Cambria Math" panose="02040503050406030204" pitchFamily="18" charset="0"/>
+                        </a:rPr>
+                        <m:t>𝑧</m:t>
+                      </m:r>
+                    </m:oMath>
+                  </m:oMathPara>
+                </a14:m>
+                <a:endParaRPr lang="en-US" dirty="0"/>
+              </a:p>
+            </p:txBody>
+          </p:sp>
+        </mc:Choice>
+        <mc:Fallback xmlns="">
+          <p:sp>
+            <p:nvSpPr>
+              <p:cNvPr id="8" name="TextBox 7">
+                <a:extLst>
+                  <a:ext uri="{FF2B5EF4-FFF2-40B4-BE49-F238E27FC236}">
+                    <a16:creationId xmlns:a16="http://schemas.microsoft.com/office/drawing/2014/main" id="{10ED77B8-F578-FB2B-265E-9D8C3A34DDA8}"/>
+                  </a:ext>
+                </a:extLst>
+              </p:cNvPr>
+              <p:cNvSpPr txBox="1">
+                <a:spLocks noRot="1" noChangeAspect="1" noMove="1" noResize="1" noEditPoints="1" noAdjustHandles="1" noChangeArrowheads="1" noChangeShapeType="1" noTextEdit="1"/>
+              </p:cNvSpPr>
+              <p:nvPr/>
+            </p:nvSpPr>
+            <p:spPr>
+              <a:xfrm>
+                <a:off x="3276207" y="3059668"/>
+                <a:ext cx="356461" cy="369332"/>
+              </a:xfrm>
+              <a:prstGeom prst="rect">
+                <a:avLst/>
+              </a:prstGeom>
+              <a:blipFill>
+                <a:blip r:embed="rId5"/>
+                <a:stretch>
+                  <a:fillRect/>
+                </a:stretch>
+              </a:blipFill>
+            </p:spPr>
+            <p:txBody>
+              <a:bodyPr/>
+              <a:lstStyle/>
+              <a:p>
+                <a:r>
+                  <a:rPr lang="en-US">
+                    <a:noFill/>
+                  </a:rPr>
+                  <a:t> </a:t>
+                </a:r>
+              </a:p>
+            </p:txBody>
+          </p:sp>
+        </mc:Fallback>
+      </mc:AlternateContent>
+      <mc:AlternateContent xmlns:mc="http://schemas.openxmlformats.org/markup-compatibility/2006" xmlns:a14="http://schemas.microsoft.com/office/drawing/2010/main">
+        <mc:Choice Requires="a14">
+          <p:sp>
+            <p:nvSpPr>
+              <p:cNvPr id="12" name="Content Placeholder 2">
+                <a:extLst>
+                  <a:ext uri="{FF2B5EF4-FFF2-40B4-BE49-F238E27FC236}">
+                    <a16:creationId xmlns:a16="http://schemas.microsoft.com/office/drawing/2014/main" id="{11BBA27A-3F9B-52DB-DBC8-502DFFAD3AA5}"/>
+                  </a:ext>
+                </a:extLst>
+              </p:cNvPr>
+              <p:cNvSpPr txBox="1">
+                <a:spLocks/>
+              </p:cNvSpPr>
+              <p:nvPr/>
+            </p:nvSpPr>
+            <p:spPr>
+              <a:xfrm>
+                <a:off x="6729130" y="2888552"/>
+                <a:ext cx="4814042" cy="4351338"/>
+              </a:xfrm>
+              <a:prstGeom prst="rect">
+                <a:avLst/>
+              </a:prstGeom>
+            </p:spPr>
+            <p:txBody>
+              <a:bodyPr vert="horz" lIns="91440" tIns="45720" rIns="91440" bIns="45720" rtlCol="0">
+                <a:normAutofit/>
+              </a:bodyPr>
+              <a:lstStyle>
+                <a:lvl1pPr marL="228600" indent="-228600" algn="l" defTabSz="914400" rtl="0" eaLnBrk="1" latinLnBrk="0" hangingPunct="1">
+                  <a:lnSpc>
+                    <a:spcPct val="90000"/>
+                  </a:lnSpc>
+                  <a:spcBef>
+                    <a:spcPts val="1000"/>
+                  </a:spcBef>
+                  <a:buFont typeface="Arial" panose="020B0604020202020204" pitchFamily="34" charset="0"/>
+                  <a:buChar char="•"/>
+                  <a:defRPr sz="2800" kern="1200">
+                    <a:solidFill>
+                      <a:schemeClr val="tx1"/>
+                    </a:solidFill>
+                    <a:latin typeface="+mn-lt"/>
+                    <a:ea typeface="+mn-ea"/>
+                    <a:cs typeface="+mn-cs"/>
+                  </a:defRPr>
+                </a:lvl1pPr>
+                <a:lvl2pPr marL="685800" indent="-228600" algn="l" defTabSz="914400" rtl="0" eaLnBrk="1" latinLnBrk="0" hangingPunct="1">
+                  <a:lnSpc>
+                    <a:spcPct val="90000"/>
+                  </a:lnSpc>
+                  <a:spcBef>
+                    <a:spcPts val="500"/>
+                  </a:spcBef>
+                  <a:buFont typeface="Arial" panose="020B0604020202020204" pitchFamily="34" charset="0"/>
+                  <a:buChar char="•"/>
+                  <a:defRPr sz="2400" kern="1200">
+                    <a:solidFill>
+                      <a:schemeClr val="tx1"/>
+                    </a:solidFill>
+                    <a:latin typeface="+mn-lt"/>
+                    <a:ea typeface="+mn-ea"/>
+                    <a:cs typeface="+mn-cs"/>
+                  </a:defRPr>
+                </a:lvl2pPr>
+                <a:lvl3pPr marL="1143000" indent="-228600" algn="l" defTabSz="914400" rtl="0" eaLnBrk="1" latinLnBrk="0" hangingPunct="1">
+                  <a:lnSpc>
+                    <a:spcPct val="90000"/>
+                  </a:lnSpc>
+                  <a:spcBef>
+                    <a:spcPts val="500"/>
+                  </a:spcBef>
+                  <a:buFont typeface="Arial" panose="020B0604020202020204" pitchFamily="34" charset="0"/>
+                  <a:buChar char="•"/>
+                  <a:defRPr sz="2000" kern="1200">
+                    <a:solidFill>
+                      <a:schemeClr val="tx1"/>
+                    </a:solidFill>
+                    <a:latin typeface="+mn-lt"/>
+                    <a:ea typeface="+mn-ea"/>
+                    <a:cs typeface="+mn-cs"/>
+                  </a:defRPr>
+                </a:lvl3pPr>
+                <a:lvl4pPr marL="1600200" indent="-228600" algn="l" defTabSz="914400" rtl="0" eaLnBrk="1" latinLnBrk="0" hangingPunct="1">
+                  <a:lnSpc>
+                    <a:spcPct val="90000"/>
+                  </a:lnSpc>
+                  <a:spcBef>
+                    <a:spcPts val="500"/>
+                  </a:spcBef>
+                  <a:buFont typeface="Arial" panose="020B0604020202020204" pitchFamily="34" charset="0"/>
+                  <a:buChar char="•"/>
+                  <a:defRPr sz="1800" kern="1200">
+                    <a:solidFill>
+                      <a:schemeClr val="tx1"/>
+                    </a:solidFill>
+                    <a:latin typeface="+mn-lt"/>
+                    <a:ea typeface="+mn-ea"/>
+                    <a:cs typeface="+mn-cs"/>
+                  </a:defRPr>
+                </a:lvl4pPr>
+                <a:lvl5pPr marL="2057400" indent="-228600" algn="l" defTabSz="914400" rtl="0" eaLnBrk="1" latinLnBrk="0" hangingPunct="1">
+                  <a:lnSpc>
+                    <a:spcPct val="90000"/>
+                  </a:lnSpc>
+                  <a:spcBef>
+                    <a:spcPts val="500"/>
+                  </a:spcBef>
+                  <a:buFont typeface="Arial" panose="020B0604020202020204" pitchFamily="34" charset="0"/>
+                  <a:buChar char="•"/>
+                  <a:defRPr sz="1800" kern="1200">
+                    <a:solidFill>
+                      <a:schemeClr val="tx1"/>
+                    </a:solidFill>
+                    <a:latin typeface="+mn-lt"/>
+                    <a:ea typeface="+mn-ea"/>
+                    <a:cs typeface="+mn-cs"/>
+                  </a:defRPr>
+                </a:lvl5pPr>
+                <a:lvl6pPr marL="2514600" indent="-228600" algn="l" defTabSz="914400" rtl="0" eaLnBrk="1" latinLnBrk="0" hangingPunct="1">
+                  <a:lnSpc>
+                    <a:spcPct val="90000"/>
+                  </a:lnSpc>
+                  <a:spcBef>
+                    <a:spcPts val="500"/>
+                  </a:spcBef>
+                  <a:buFont typeface="Arial" panose="020B0604020202020204" pitchFamily="34" charset="0"/>
+                  <a:buChar char="•"/>
+                  <a:defRPr sz="1800" kern="1200">
+                    <a:solidFill>
+                      <a:schemeClr val="tx1"/>
+                    </a:solidFill>
+                    <a:latin typeface="+mn-lt"/>
+                    <a:ea typeface="+mn-ea"/>
+                    <a:cs typeface="+mn-cs"/>
+                  </a:defRPr>
+                </a:lvl6pPr>
+                <a:lvl7pPr marL="2971800" indent="-228600" algn="l" defTabSz="914400" rtl="0" eaLnBrk="1" latinLnBrk="0" hangingPunct="1">
+                  <a:lnSpc>
+                    <a:spcPct val="90000"/>
+                  </a:lnSpc>
+                  <a:spcBef>
+                    <a:spcPts val="500"/>
+                  </a:spcBef>
+                  <a:buFont typeface="Arial" panose="020B0604020202020204" pitchFamily="34" charset="0"/>
+                  <a:buChar char="•"/>
+                  <a:defRPr sz="1800" kern="1200">
+                    <a:solidFill>
+                      <a:schemeClr val="tx1"/>
+                    </a:solidFill>
+                    <a:latin typeface="+mn-lt"/>
+                    <a:ea typeface="+mn-ea"/>
+                    <a:cs typeface="+mn-cs"/>
+                  </a:defRPr>
+                </a:lvl7pPr>
+                <a:lvl8pPr marL="3429000" indent="-228600" algn="l" defTabSz="914400" rtl="0" eaLnBrk="1" latinLnBrk="0" hangingPunct="1">
+                  <a:lnSpc>
+                    <a:spcPct val="90000"/>
+                  </a:lnSpc>
+                  <a:spcBef>
+                    <a:spcPts val="500"/>
+                  </a:spcBef>
+                  <a:buFont typeface="Arial" panose="020B0604020202020204" pitchFamily="34" charset="0"/>
+                  <a:buChar char="•"/>
+                  <a:defRPr sz="1800" kern="1200">
+                    <a:solidFill>
+                      <a:schemeClr val="tx1"/>
+                    </a:solidFill>
+                    <a:latin typeface="+mn-lt"/>
+                    <a:ea typeface="+mn-ea"/>
+                    <a:cs typeface="+mn-cs"/>
+                  </a:defRPr>
+                </a:lvl8pPr>
+                <a:lvl9pPr marL="3886200" indent="-228600" algn="l" defTabSz="914400" rtl="0" eaLnBrk="1" latinLnBrk="0" hangingPunct="1">
+                  <a:lnSpc>
+                    <a:spcPct val="90000"/>
+                  </a:lnSpc>
+                  <a:spcBef>
+                    <a:spcPts val="500"/>
+                  </a:spcBef>
+                  <a:buFont typeface="Arial" panose="020B0604020202020204" pitchFamily="34" charset="0"/>
+                  <a:buChar char="•"/>
+                  <a:defRPr sz="1800" kern="1200">
+                    <a:solidFill>
+                      <a:schemeClr val="tx1"/>
+                    </a:solidFill>
+                    <a:latin typeface="+mn-lt"/>
+                    <a:ea typeface="+mn-ea"/>
+                    <a:cs typeface="+mn-cs"/>
+                  </a:defRPr>
+                </a:lvl9pPr>
+              </a:lstStyle>
+              <a:p>
+                <a14:m>
+                  <m:oMath xmlns:m="http://schemas.openxmlformats.org/officeDocument/2006/math">
+                    <m:r>
+                      <a:rPr lang="en-US" b="0" i="1" smtClean="0">
+                        <a:latin typeface="Cambria Math" panose="02040503050406030204" pitchFamily="18" charset="0"/>
+                      </a:rPr>
+                      <m:t>𝑥</m:t>
+                    </m:r>
+                    <m:r>
+                      <a:rPr lang="en-US" b="0" i="1" smtClean="0">
+                        <a:latin typeface="Cambria Math" panose="02040503050406030204" pitchFamily="18" charset="0"/>
+                      </a:rPr>
+                      <m:t> </m:t>
+                    </m:r>
+                  </m:oMath>
+                </a14:m>
+                <a:r>
+                  <a:rPr lang="en-US" dirty="0"/>
+                  <a:t>is the input</a:t>
+                </a:r>
+              </a:p>
+              <a:p>
+                <a14:m>
+                  <m:oMath xmlns:m="http://schemas.openxmlformats.org/officeDocument/2006/math">
+                    <m:r>
+                      <a:rPr lang="en-US" b="0" i="1" smtClean="0">
+                        <a:latin typeface="Cambria Math" panose="02040503050406030204" pitchFamily="18" charset="0"/>
+                      </a:rPr>
+                      <m:t>𝑧</m:t>
+                    </m:r>
+                    <m:r>
+                      <a:rPr lang="en-US" b="0" i="1" smtClean="0">
+                        <a:latin typeface="Cambria Math" panose="02040503050406030204" pitchFamily="18" charset="0"/>
+                      </a:rPr>
+                      <m:t> </m:t>
+                    </m:r>
+                  </m:oMath>
+                </a14:m>
+                <a:r>
+                  <a:rPr lang="en-US" dirty="0"/>
+                  <a:t>is latent representation of </a:t>
+                </a:r>
+                <a14:m>
+                  <m:oMath xmlns:m="http://schemas.openxmlformats.org/officeDocument/2006/math">
+                    <m:r>
+                      <a:rPr lang="en-US" b="0" i="1" smtClean="0">
+                        <a:latin typeface="Cambria Math" panose="02040503050406030204" pitchFamily="18" charset="0"/>
+                      </a:rPr>
+                      <m:t>𝑥</m:t>
+                    </m:r>
+                  </m:oMath>
+                </a14:m>
+                <a:r>
+                  <a:rPr lang="en-US" dirty="0"/>
+                  <a:t> the network learns</a:t>
+                </a:r>
+              </a:p>
+              <a:p>
+                <a14:m>
+                  <m:oMath xmlns:m="http://schemas.openxmlformats.org/officeDocument/2006/math">
+                    <m:acc>
+                      <m:accPr>
+                        <m:chr m:val="̂"/>
+                        <m:ctrlPr>
+                          <a:rPr lang="en-US" i="1" smtClean="0">
+                            <a:latin typeface="Cambria Math" panose="02040503050406030204" pitchFamily="18" charset="0"/>
+                          </a:rPr>
+                        </m:ctrlPr>
+                      </m:accPr>
+                      <m:e>
+                        <m:r>
+                          <a:rPr lang="en-US" b="0" i="1" smtClean="0">
+                            <a:latin typeface="Cambria Math" panose="02040503050406030204" pitchFamily="18" charset="0"/>
+                          </a:rPr>
+                          <m:t>𝑥</m:t>
+                        </m:r>
+                      </m:e>
+                    </m:acc>
+                  </m:oMath>
+                </a14:m>
+                <a:r>
+                  <a:rPr lang="en-US" dirty="0"/>
+                  <a:t> is the reconstruction from </a:t>
+                </a:r>
+                <a14:m>
+                  <m:oMath xmlns:m="http://schemas.openxmlformats.org/officeDocument/2006/math">
+                    <m:r>
+                      <a:rPr lang="en-US" b="0" i="1" smtClean="0">
+                        <a:latin typeface="Cambria Math" panose="02040503050406030204" pitchFamily="18" charset="0"/>
+                      </a:rPr>
+                      <m:t>𝑥</m:t>
+                    </m:r>
+                  </m:oMath>
+                </a14:m>
+                <a:r>
+                  <a:rPr lang="en-US" dirty="0"/>
+                  <a:t> </a:t>
+                </a:r>
+              </a:p>
+            </p:txBody>
+          </p:sp>
+        </mc:Choice>
+        <mc:Fallback xmlns="">
+          <p:sp>
+            <p:nvSpPr>
+              <p:cNvPr id="12" name="Content Placeholder 2">
+                <a:extLst>
+                  <a:ext uri="{FF2B5EF4-FFF2-40B4-BE49-F238E27FC236}">
+                    <a16:creationId xmlns:a16="http://schemas.microsoft.com/office/drawing/2014/main" id="{11BBA27A-3F9B-52DB-DBC8-502DFFAD3AA5}"/>
+                  </a:ext>
+                </a:extLst>
+              </p:cNvPr>
+              <p:cNvSpPr txBox="1">
+                <a:spLocks noRot="1" noChangeAspect="1" noMove="1" noResize="1" noEditPoints="1" noAdjustHandles="1" noChangeArrowheads="1" noChangeShapeType="1" noTextEdit="1"/>
+              </p:cNvSpPr>
+              <p:nvPr/>
+            </p:nvSpPr>
+            <p:spPr>
+              <a:xfrm>
+                <a:off x="6729130" y="2888552"/>
+                <a:ext cx="4814042" cy="4351338"/>
+              </a:xfrm>
+              <a:prstGeom prst="rect">
+                <a:avLst/>
+              </a:prstGeom>
+              <a:blipFill>
+                <a:blip r:embed="rId6"/>
+                <a:stretch>
+                  <a:fillRect l="-2100" t="-2326"/>
+                </a:stretch>
+              </a:blipFill>
+            </p:spPr>
+            <p:txBody>
+              <a:bodyPr/>
+              <a:lstStyle/>
+              <a:p>
+                <a:r>
+                  <a:rPr lang="en-US">
+                    <a:noFill/>
+                  </a:rPr>
+                  <a:t> </a:t>
+                </a:r>
+              </a:p>
+            </p:txBody>
+          </p:sp>
+        </mc:Fallback>
+      </mc:AlternateContent>
+      <p:sp>
+        <p:nvSpPr>
+          <p:cNvPr id="13" name="TextBox 12">
+            <a:extLst>
+              <a:ext uri="{FF2B5EF4-FFF2-40B4-BE49-F238E27FC236}">
+                <a16:creationId xmlns:a16="http://schemas.microsoft.com/office/drawing/2014/main" id="{1B7DEA13-EC9F-69C9-4ECB-C1128621879D}"/>
+              </a:ext>
+            </a:extLst>
+          </p:cNvPr>
+          <p:cNvSpPr txBox="1"/>
+          <p:nvPr/>
+        </p:nvSpPr>
+        <p:spPr>
+          <a:xfrm>
+            <a:off x="621792" y="1956816"/>
+            <a:ext cx="184731" cy="646331"/>
+          </a:xfrm>
+          <a:prstGeom prst="rect">
+            <a:avLst/>
+          </a:prstGeom>
+          <a:noFill/>
+        </p:spPr>
+        <p:txBody>
+          <a:bodyPr wrap="none" rtlCol="0">
+            <a:spAutoFit/>
+          </a:bodyPr>
+          <a:lstStyle/>
+          <a:p>
+            <a:endParaRPr lang="en-US" dirty="0"/>
+          </a:p>
+          <a:p>
+            <a:endParaRPr lang="en-US" dirty="0"/>
+          </a:p>
+        </p:txBody>
+      </p:sp>
+    </p:spTree>
+    <p:extLst>
+      <p:ext uri="{BB962C8B-B14F-4D97-AF65-F5344CB8AC3E}">
+        <p14:creationId xmlns:p14="http://schemas.microsoft.com/office/powerpoint/2010/main" val="322981683"/>
+      </p:ext>
+    </p:extLst>
+  </p:cSld>
+  <p:clrMapOvr>
+    <a:masterClrMapping/>
+  </p:clrMapOvr>
+</p:sld>
+</file>
+
+<file path=ppt/slides/slide3.xml><?xml version="1.0" encoding="utf-8"?>
+<p:sld xmlns:a="http://schemas.openxmlformats.org/drawingml/2006/main" xmlns:r="http://schemas.openxmlformats.org/officeDocument/2006/relationships" xmlns:p="http://schemas.openxmlformats.org/presentationml/2006/main">
+  <p:cSld>
+    <p:spTree>
+      <p:nvGrpSpPr>
+        <p:cNvPr id="1" name=""/>
+        <p:cNvGrpSpPr/>
+        <p:nvPr/>
+      </p:nvGrpSpPr>
+      <p:grpSpPr>
+        <a:xfrm>
+          <a:off x="0" y="0"/>
+          <a:ext cx="0" cy="0"/>
+          <a:chOff x="0" y="0"/>
+          <a:chExt cx="0" cy="0"/>
+        </a:xfrm>
+      </p:grpSpPr>
+      <p:sp>
+        <p:nvSpPr>
+          <p:cNvPr id="2" name="Title 1">
+            <a:extLst>
+              <a:ext uri="{FF2B5EF4-FFF2-40B4-BE49-F238E27FC236}">
+                <a16:creationId xmlns:a16="http://schemas.microsoft.com/office/drawing/2014/main" id="{7B23487D-1DC1-AF6A-9310-6B66B4FBF0D9}"/>
+              </a:ext>
+            </a:extLst>
+          </p:cNvPr>
+          <p:cNvSpPr>
+            <a:spLocks noGrp="1"/>
+          </p:cNvSpPr>
+          <p:nvPr>
+            <p:ph type="title"/>
+          </p:nvPr>
+        </p:nvSpPr>
+        <p:spPr/>
+        <p:txBody>
+          <a:bodyPr/>
+          <a:lstStyle/>
+          <a:p>
+            <a:r>
+              <a:rPr lang="en-US" dirty="0"/>
+              <a:t>Latent Variable</a:t>
+            </a:r>
+          </a:p>
+        </p:txBody>
+      </p:sp>
+      <mc:AlternateContent xmlns:mc="http://schemas.openxmlformats.org/markup-compatibility/2006">
+        <mc:Choice xmlns:a14="http://schemas.microsoft.com/office/drawing/2010/main" Requires="a14">
+          <p:sp>
+            <p:nvSpPr>
+              <p:cNvPr id="3" name="Content Placeholder 2">
+                <a:extLst>
+                  <a:ext uri="{FF2B5EF4-FFF2-40B4-BE49-F238E27FC236}">
+                    <a16:creationId xmlns:a16="http://schemas.microsoft.com/office/drawing/2014/main" id="{8A075681-44FC-A899-BC8B-9028CB933A96}"/>
+                  </a:ext>
+                </a:extLst>
+              </p:cNvPr>
+              <p:cNvSpPr>
+                <a:spLocks noGrp="1"/>
+              </p:cNvSpPr>
+              <p:nvPr>
+                <p:ph idx="1"/>
+              </p:nvPr>
+            </p:nvSpPr>
+            <p:spPr/>
+            <p:txBody>
+              <a:bodyPr/>
+              <a:lstStyle/>
+              <a:p>
+                <a:r>
+                  <a:rPr lang="en-US" dirty="0"/>
+                  <a:t>During the training of Autoencoder, our decoder is reconstructing </a:t>
+                </a:r>
+                <a14:m>
+                  <m:oMath xmlns:m="http://schemas.openxmlformats.org/officeDocument/2006/math">
+                    <m:acc>
+                      <m:accPr>
+                        <m:chr m:val="̂"/>
+                        <m:ctrlPr>
+                          <a:rPr lang="en-US" i="1" smtClean="0">
+                            <a:latin typeface="Cambria Math" panose="02040503050406030204" pitchFamily="18" charset="0"/>
+                          </a:rPr>
+                        </m:ctrlPr>
+                      </m:accPr>
+                      <m:e>
+                        <m:r>
+                          <a:rPr lang="en-US" b="0" i="1" smtClean="0">
+                            <a:latin typeface="Cambria Math" panose="02040503050406030204" pitchFamily="18" charset="0"/>
+                          </a:rPr>
+                          <m:t>𝑥</m:t>
+                        </m:r>
+                      </m:e>
+                    </m:acc>
+                  </m:oMath>
+                </a14:m>
+                <a:r>
+                  <a:rPr lang="en-US" dirty="0"/>
+                  <a:t> from input </a:t>
+                </a:r>
+                <a14:m>
+                  <m:oMath xmlns:m="http://schemas.openxmlformats.org/officeDocument/2006/math">
+                    <m:r>
+                      <a:rPr lang="en-US" b="0" i="1" smtClean="0">
+                        <a:latin typeface="Cambria Math" panose="02040503050406030204" pitchFamily="18" charset="0"/>
+                      </a:rPr>
+                      <m:t>𝑥</m:t>
+                    </m:r>
+                  </m:oMath>
+                </a14:m>
+                <a:r>
+                  <a:rPr lang="en-US" dirty="0"/>
+                  <a:t>. </a:t>
+                </a:r>
+              </a:p>
+              <a:p>
+                <a:r>
+                  <a:rPr lang="en-US" dirty="0"/>
+                  <a:t>In fact: encoder learns how to encode input </a:t>
+                </a:r>
+                <a14:m>
+                  <m:oMath xmlns:m="http://schemas.openxmlformats.org/officeDocument/2006/math">
+                    <m:r>
+                      <a:rPr lang="en-US" i="1">
+                        <a:latin typeface="Cambria Math" panose="02040503050406030204" pitchFamily="18" charset="0"/>
+                      </a:rPr>
+                      <m:t>𝑥</m:t>
+                    </m:r>
+                  </m:oMath>
+                </a14:m>
+                <a:r>
+                  <a:rPr lang="zh-CN" altLang="en-US" dirty="0"/>
+                  <a:t> </a:t>
+                </a:r>
+                <a:r>
+                  <a:rPr lang="en-US" altLang="zh-CN" dirty="0"/>
+                  <a:t> to </a:t>
+                </a:r>
+                <a:r>
+                  <a:rPr lang="en-US" dirty="0"/>
+                  <a:t>a lower dimensional representation </a:t>
+                </a:r>
+                <a14:m>
+                  <m:oMath xmlns:m="http://schemas.openxmlformats.org/officeDocument/2006/math">
+                    <m:r>
+                      <a:rPr lang="en-US" b="0" i="1" smtClean="0">
+                        <a:latin typeface="Cambria Math" panose="02040503050406030204" pitchFamily="18" charset="0"/>
+                      </a:rPr>
+                      <m:t>𝑧</m:t>
+                    </m:r>
+                  </m:oMath>
+                </a14:m>
+                <a:r>
+                  <a:rPr lang="en-US" dirty="0"/>
+                  <a:t>, and then the decoder reconstruct the output from </a:t>
+                </a:r>
+                <a14:m>
+                  <m:oMath xmlns:m="http://schemas.openxmlformats.org/officeDocument/2006/math">
+                    <m:r>
+                      <a:rPr lang="en-US" i="1">
+                        <a:latin typeface="Cambria Math" panose="02040503050406030204" pitchFamily="18" charset="0"/>
+                      </a:rPr>
+                      <m:t>𝑧</m:t>
+                    </m:r>
+                  </m:oMath>
+                </a14:m>
+                <a:r>
+                  <a:rPr lang="en-US" dirty="0"/>
+                  <a:t>. We also call </a:t>
+                </a:r>
+                <a14:m>
+                  <m:oMath xmlns:m="http://schemas.openxmlformats.org/officeDocument/2006/math">
+                    <m:r>
+                      <a:rPr lang="en-US" i="1">
+                        <a:latin typeface="Cambria Math" panose="02040503050406030204" pitchFamily="18" charset="0"/>
+                      </a:rPr>
+                      <m:t>𝑧</m:t>
+                    </m:r>
+                  </m:oMath>
+                </a14:m>
+                <a:r>
+                  <a:rPr lang="en-US" dirty="0"/>
+                  <a:t> latent variable.</a:t>
+                </a:r>
+              </a:p>
+              <a:p>
+                <a:endParaRPr lang="en-US" dirty="0"/>
+              </a:p>
+              <a:p>
+                <a:pPr algn="ctr"/>
+                <a:r>
+                  <a:rPr lang="en-US" dirty="0"/>
+                  <a:t>encoder: </a:t>
+                </a:r>
+                <a14:m>
+                  <m:oMath xmlns:m="http://schemas.openxmlformats.org/officeDocument/2006/math">
+                    <m:r>
+                      <a:rPr lang="en-US" b="0" i="1" dirty="0" smtClean="0">
+                        <a:latin typeface="Cambria Math" panose="02040503050406030204" pitchFamily="18" charset="0"/>
+                      </a:rPr>
+                      <m:t>𝑞</m:t>
+                    </m:r>
+                    <m:r>
+                      <a:rPr lang="en-US" b="0" i="1" dirty="0" smtClean="0">
+                        <a:latin typeface="Cambria Math" panose="02040503050406030204" pitchFamily="18" charset="0"/>
+                      </a:rPr>
+                      <m:t>(</m:t>
+                    </m:r>
+                    <m:r>
+                      <a:rPr lang="en-US" b="0" i="1" dirty="0" smtClean="0">
+                        <a:latin typeface="Cambria Math" panose="02040503050406030204" pitchFamily="18" charset="0"/>
+                      </a:rPr>
+                      <m:t>𝑧</m:t>
+                    </m:r>
+                    <m:r>
+                      <a:rPr lang="en-US" b="0" i="1" dirty="0" smtClean="0">
+                        <a:latin typeface="Cambria Math" panose="02040503050406030204" pitchFamily="18" charset="0"/>
+                      </a:rPr>
+                      <m:t>|</m:t>
+                    </m:r>
+                    <m:r>
+                      <a:rPr lang="en-US" b="0" i="1" dirty="0" smtClean="0">
+                        <a:latin typeface="Cambria Math" panose="02040503050406030204" pitchFamily="18" charset="0"/>
+                      </a:rPr>
+                      <m:t>𝑥</m:t>
+                    </m:r>
+                    <m:r>
+                      <a:rPr lang="en-US" b="0" i="1" dirty="0" smtClean="0">
+                        <a:latin typeface="Cambria Math" panose="02040503050406030204" pitchFamily="18" charset="0"/>
+                      </a:rPr>
+                      <m:t>)</m:t>
+                    </m:r>
+                  </m:oMath>
+                </a14:m>
+                <a:r>
+                  <a:rPr lang="en-US" dirty="0"/>
+                  <a:t>  </a:t>
+                </a:r>
+              </a:p>
+              <a:p>
+                <a:pPr algn="ctr"/>
+                <a:r>
+                  <a:rPr lang="en-US" dirty="0"/>
+                  <a:t>decoder: </a:t>
+                </a:r>
+                <a14:m>
+                  <m:oMath xmlns:m="http://schemas.openxmlformats.org/officeDocument/2006/math">
+                    <m:r>
+                      <a:rPr lang="en-US" i="1" dirty="0">
+                        <a:latin typeface="Cambria Math" panose="02040503050406030204" pitchFamily="18" charset="0"/>
+                      </a:rPr>
+                      <m:t>𝑝</m:t>
+                    </m:r>
+                    <m:r>
+                      <a:rPr lang="en-US" dirty="0">
+                        <a:latin typeface="Cambria Math" panose="02040503050406030204" pitchFamily="18" charset="0"/>
+                      </a:rPr>
+                      <m:t>(</m:t>
+                    </m:r>
+                    <m:r>
+                      <a:rPr lang="en-US" b="0" i="1" dirty="0" smtClean="0">
+                        <a:latin typeface="Cambria Math" panose="02040503050406030204" pitchFamily="18" charset="0"/>
+                      </a:rPr>
+                      <m:t>𝑥</m:t>
+                    </m:r>
+                    <m:r>
+                      <a:rPr lang="en-US" b="0" i="1" dirty="0" smtClean="0">
+                        <a:latin typeface="Cambria Math" panose="02040503050406030204" pitchFamily="18" charset="0"/>
+                      </a:rPr>
+                      <m:t>|</m:t>
+                    </m:r>
+                    <m:r>
+                      <a:rPr lang="en-US" b="0" i="1" dirty="0" smtClean="0">
+                        <a:latin typeface="Cambria Math" panose="02040503050406030204" pitchFamily="18" charset="0"/>
+                      </a:rPr>
+                      <m:t>𝑧</m:t>
+                    </m:r>
+                    <m:r>
+                      <a:rPr lang="en-US" b="0" i="1" dirty="0" smtClean="0">
+                        <a:latin typeface="Cambria Math" panose="02040503050406030204" pitchFamily="18" charset="0"/>
+                      </a:rPr>
+                      <m:t>)</m:t>
+                    </m:r>
+                  </m:oMath>
+                </a14:m>
+                <a:r>
+                  <a:rPr lang="en-US" dirty="0"/>
+                  <a:t> </a:t>
+                </a:r>
+              </a:p>
+              <a:p>
+                <a:endParaRPr lang="en-US" dirty="0"/>
+              </a:p>
+              <a:p>
+                <a:endParaRPr lang="en-US" dirty="0"/>
+              </a:p>
+            </p:txBody>
+          </p:sp>
+        </mc:Choice>
+        <mc:Fallback>
+          <p:sp>
+            <p:nvSpPr>
+              <p:cNvPr id="3" name="Content Placeholder 2">
+                <a:extLst>
+                  <a:ext uri="{FF2B5EF4-FFF2-40B4-BE49-F238E27FC236}">
+                    <a16:creationId xmlns:a16="http://schemas.microsoft.com/office/drawing/2014/main" id="{8A075681-44FC-A899-BC8B-9028CB933A96}"/>
+                  </a:ext>
+                </a:extLst>
+              </p:cNvPr>
+              <p:cNvSpPr>
+                <a:spLocks noGrp="1" noRot="1" noChangeAspect="1" noMove="1" noResize="1" noEditPoints="1" noAdjustHandles="1" noChangeArrowheads="1" noChangeShapeType="1" noTextEdit="1"/>
+              </p:cNvSpPr>
+              <p:nvPr>
+                <p:ph idx="1"/>
+              </p:nvPr>
+            </p:nvSpPr>
+            <p:spPr>
+              <a:blipFill>
+                <a:blip r:embed="rId2"/>
+                <a:stretch>
+                  <a:fillRect l="-1086" t="-2326" r="-1206"/>
+                </a:stretch>
+              </a:blipFill>
+            </p:spPr>
+            <p:txBody>
+              <a:bodyPr/>
+              <a:lstStyle/>
+              <a:p>
+                <a:r>
+                  <a:rPr lang="en-US">
+                    <a:noFill/>
+                  </a:rPr>
+                  <a:t> </a:t>
+                </a:r>
+              </a:p>
+            </p:txBody>
+          </p:sp>
+        </mc:Fallback>
+      </mc:AlternateContent>
+    </p:spTree>
+    <p:extLst>
+      <p:ext uri="{BB962C8B-B14F-4D97-AF65-F5344CB8AC3E}">
+        <p14:creationId xmlns:p14="http://schemas.microsoft.com/office/powerpoint/2010/main" val="2267922952"/>
+      </p:ext>
+    </p:extLst>
+  </p:cSld>
+  <p:clrMapOvr>
+    <a:masterClrMapping/>
+  </p:clrMapOvr>
+</p:sld>
+</file>
+
+<file path=ppt/slides/slide4.xml><?xml version="1.0" encoding="utf-8"?>
+<p:sld xmlns:a="http://schemas.openxmlformats.org/drawingml/2006/main" xmlns:r="http://schemas.openxmlformats.org/officeDocument/2006/relationships" xmlns:p="http://schemas.openxmlformats.org/presentationml/2006/main">
+  <p:cSld>
+    <p:spTree>
+      <p:nvGrpSpPr>
+        <p:cNvPr id="1" name=""/>
+        <p:cNvGrpSpPr/>
+        <p:nvPr/>
+      </p:nvGrpSpPr>
+      <p:grpSpPr>
+        <a:xfrm>
+          <a:off x="0" y="0"/>
+          <a:ext cx="0" cy="0"/>
+          <a:chOff x="0" y="0"/>
+          <a:chExt cx="0" cy="0"/>
+        </a:xfrm>
+      </p:grpSpPr>
+      <p:sp>
+        <p:nvSpPr>
+          <p:cNvPr id="2" name="Title 1">
+            <a:extLst>
+              <a:ext uri="{FF2B5EF4-FFF2-40B4-BE49-F238E27FC236}">
+                <a16:creationId xmlns:a16="http://schemas.microsoft.com/office/drawing/2014/main" id="{4768231E-FF0A-B9F1-FC06-89F511FF7435}"/>
+              </a:ext>
+            </a:extLst>
+          </p:cNvPr>
+          <p:cNvSpPr>
+            <a:spLocks noGrp="1"/>
+          </p:cNvSpPr>
+          <p:nvPr>
+            <p:ph type="title"/>
+          </p:nvPr>
+        </p:nvSpPr>
+        <p:spPr/>
+        <p:txBody>
+          <a:bodyPr/>
+          <a:lstStyle/>
+          <a:p>
+            <a:r>
+              <a:rPr lang="en-US" dirty="0"/>
+              <a:t>Recap on Autoencoder</a:t>
+            </a:r>
+          </a:p>
+        </p:txBody>
+      </p:sp>
+      <p:pic>
+        <p:nvPicPr>
+          <p:cNvPr id="4" name="Content Placeholder 3">
+            <a:extLst>
+              <a:ext uri="{FF2B5EF4-FFF2-40B4-BE49-F238E27FC236}">
+                <a16:creationId xmlns:a16="http://schemas.microsoft.com/office/drawing/2014/main" id="{87B0C56D-E038-9E62-4F1F-6D9CC2DD45E2}"/>
+              </a:ext>
+            </a:extLst>
+          </p:cNvPr>
+          <p:cNvPicPr>
+            <a:picLocks noGrp="1" noChangeAspect="1"/>
+          </p:cNvPicPr>
+          <p:nvPr>
+            <p:ph idx="1"/>
+          </p:nvPr>
+        </p:nvPicPr>
+        <p:blipFill>
+          <a:blip r:embed="rId2"/>
+          <a:stretch>
+            <a:fillRect/>
+          </a:stretch>
+        </p:blipFill>
+        <p:spPr>
+          <a:xfrm>
+            <a:off x="653873" y="2716012"/>
+            <a:ext cx="5601131" cy="2500874"/>
+          </a:xfrm>
+        </p:spPr>
+      </p:pic>
       <mc:AlternateContent xmlns:mc="http://schemas.openxmlformats.org/markup-compatibility/2006">
         <mc:Choice xmlns:a14="http://schemas.microsoft.com/office/drawing/2010/main" Requires="a14">
           <p:sp>
@@ -3509,6 +4658,7 @@
               </a:bodyPr>
               <a:lstStyle/>
               <a:p>
+                <a:pPr/>
                 <a14:m>
                   <m:oMathPara xmlns:m="http://schemas.openxmlformats.org/officeDocument/2006/math">
                     <m:oMathParaPr>
@@ -3604,6 +4754,7 @@
               </a:bodyPr>
               <a:lstStyle/>
               <a:p>
+                <a:pPr/>
                 <a14:m>
                   <m:oMathPara xmlns:m="http://schemas.openxmlformats.org/officeDocument/2006/math">
                     <m:oMathParaPr>
@@ -3711,6 +4862,7 @@
               </a:bodyPr>
               <a:lstStyle/>
               <a:p>
+                <a:pPr/>
                 <a14:m>
                   <m:oMathPara xmlns:m="http://schemas.openxmlformats.org/officeDocument/2006/math">
                     <m:oMathParaPr>
@@ -3776,76 +4928,6 @@
           </p:sp>
         </mc:Fallback>
       </mc:AlternateContent>
-      <p:sp>
-        <p:nvSpPr>
-          <p:cNvPr id="9" name="TextBox 8">
-            <a:extLst>
-              <a:ext uri="{FF2B5EF4-FFF2-40B4-BE49-F238E27FC236}">
-                <a16:creationId xmlns:a16="http://schemas.microsoft.com/office/drawing/2014/main" id="{90155914-694D-CE70-3ECE-5E6ACE9EBF96}"/>
-              </a:ext>
-            </a:extLst>
-          </p:cNvPr>
-          <p:cNvSpPr txBox="1"/>
-          <p:nvPr/>
-        </p:nvSpPr>
-        <p:spPr>
-          <a:xfrm>
-            <a:off x="4299632" y="5257520"/>
-            <a:ext cx="1777141" cy="369332"/>
-          </a:xfrm>
-          <a:prstGeom prst="rect">
-            <a:avLst/>
-          </a:prstGeom>
-          <a:noFill/>
-        </p:spPr>
-        <p:txBody>
-          <a:bodyPr wrap="square" rtlCol="0">
-            <a:spAutoFit/>
-          </a:bodyPr>
-          <a:lstStyle/>
-          <a:p>
-            <a:r>
-              <a:rPr lang="en-US" dirty="0"/>
-              <a:t>decoder</a:t>
-            </a:r>
-          </a:p>
-        </p:txBody>
-      </p:sp>
-      <p:sp>
-        <p:nvSpPr>
-          <p:cNvPr id="11" name="TextBox 10">
-            <a:extLst>
-              <a:ext uri="{FF2B5EF4-FFF2-40B4-BE49-F238E27FC236}">
-                <a16:creationId xmlns:a16="http://schemas.microsoft.com/office/drawing/2014/main" id="{D1F889F3-2DF7-5F84-0445-1224EC9FB009}"/>
-              </a:ext>
-            </a:extLst>
-          </p:cNvPr>
-          <p:cNvSpPr txBox="1"/>
-          <p:nvPr/>
-        </p:nvSpPr>
-        <p:spPr>
-          <a:xfrm>
-            <a:off x="1677296" y="5248096"/>
-            <a:ext cx="1777141" cy="369332"/>
-          </a:xfrm>
-          <a:prstGeom prst="rect">
-            <a:avLst/>
-          </a:prstGeom>
-          <a:noFill/>
-        </p:spPr>
-        <p:txBody>
-          <a:bodyPr wrap="square" rtlCol="0">
-            <a:spAutoFit/>
-          </a:bodyPr>
-          <a:lstStyle/>
-          <a:p>
-            <a:r>
-              <a:rPr lang="en-US" dirty="0"/>
-              <a:t>encoder </a:t>
-            </a:r>
-          </a:p>
-        </p:txBody>
-      </p:sp>
       <mc:AlternateContent xmlns:mc="http://schemas.openxmlformats.org/markup-compatibility/2006">
         <mc:Choice xmlns:a14="http://schemas.microsoft.com/office/drawing/2010/main" Requires="a14">
           <p:sp>
@@ -4222,10 +5304,264 @@
           </a:p>
         </p:txBody>
       </p:sp>
+      <mc:AlternateContent xmlns:mc="http://schemas.openxmlformats.org/markup-compatibility/2006">
+        <mc:Choice xmlns:a14="http://schemas.microsoft.com/office/drawing/2010/main" Requires="a14">
+          <p:sp>
+            <p:nvSpPr>
+              <p:cNvPr id="10" name="TextBox 9">
+                <a:extLst>
+                  <a:ext uri="{FF2B5EF4-FFF2-40B4-BE49-F238E27FC236}">
+                    <a16:creationId xmlns:a16="http://schemas.microsoft.com/office/drawing/2014/main" id="{3D590DD2-51F0-FA15-DA3C-A68B4F7F5C73}"/>
+                  </a:ext>
+                </a:extLst>
+              </p:cNvPr>
+              <p:cNvSpPr txBox="1"/>
+              <p:nvPr/>
+            </p:nvSpPr>
+            <p:spPr>
+              <a:xfrm>
+                <a:off x="3915102" y="3798332"/>
+                <a:ext cx="1955372" cy="369332"/>
+              </a:xfrm>
+              <a:prstGeom prst="rect">
+                <a:avLst/>
+              </a:prstGeom>
+              <a:noFill/>
+            </p:spPr>
+            <p:txBody>
+              <a:bodyPr wrap="square" rtlCol="0">
+                <a:spAutoFit/>
+              </a:bodyPr>
+              <a:lstStyle/>
+              <a:p>
+                <a:r>
+                  <a:rPr lang="en-US" dirty="0"/>
+                  <a:t>decoder: </a:t>
+                </a:r>
+                <a14:m>
+                  <m:oMath xmlns:m="http://schemas.openxmlformats.org/officeDocument/2006/math">
+                    <m:r>
+                      <a:rPr lang="en-US" i="1" dirty="0">
+                        <a:latin typeface="Cambria Math" panose="02040503050406030204" pitchFamily="18" charset="0"/>
+                      </a:rPr>
+                      <m:t>𝑝</m:t>
+                    </m:r>
+                    <m:r>
+                      <a:rPr lang="en-US" i="1" dirty="0">
+                        <a:latin typeface="Cambria Math" panose="02040503050406030204" pitchFamily="18" charset="0"/>
+                      </a:rPr>
+                      <m:t>(</m:t>
+                    </m:r>
+                    <m:r>
+                      <a:rPr lang="en-US" i="1" dirty="0">
+                        <a:latin typeface="Cambria Math" panose="02040503050406030204" pitchFamily="18" charset="0"/>
+                      </a:rPr>
+                      <m:t>𝑥</m:t>
+                    </m:r>
+                    <m:r>
+                      <a:rPr lang="en-US" i="1" dirty="0">
+                        <a:latin typeface="Cambria Math" panose="02040503050406030204" pitchFamily="18" charset="0"/>
+                      </a:rPr>
+                      <m:t>|</m:t>
+                    </m:r>
+                    <m:r>
+                      <a:rPr lang="en-US" i="1" dirty="0">
+                        <a:latin typeface="Cambria Math" panose="02040503050406030204" pitchFamily="18" charset="0"/>
+                      </a:rPr>
+                      <m:t>𝑧</m:t>
+                    </m:r>
+                    <m:r>
+                      <a:rPr lang="en-US" i="1" dirty="0">
+                        <a:latin typeface="Cambria Math" panose="02040503050406030204" pitchFamily="18" charset="0"/>
+                      </a:rPr>
+                      <m:t>)</m:t>
+                    </m:r>
+                  </m:oMath>
+                </a14:m>
+                <a:r>
+                  <a:rPr lang="en-US" dirty="0"/>
+                  <a:t> </a:t>
+                </a:r>
+              </a:p>
+            </p:txBody>
+          </p:sp>
+        </mc:Choice>
+        <mc:Fallback>
+          <p:sp>
+            <p:nvSpPr>
+              <p:cNvPr id="10" name="TextBox 9">
+                <a:extLst>
+                  <a:ext uri="{FF2B5EF4-FFF2-40B4-BE49-F238E27FC236}">
+                    <a16:creationId xmlns:a16="http://schemas.microsoft.com/office/drawing/2014/main" id="{3D590DD2-51F0-FA15-DA3C-A68B4F7F5C73}"/>
+                  </a:ext>
+                </a:extLst>
+              </p:cNvPr>
+              <p:cNvSpPr txBox="1">
+                <a:spLocks noRot="1" noChangeAspect="1" noMove="1" noResize="1" noEditPoints="1" noAdjustHandles="1" noChangeArrowheads="1" noChangeShapeType="1" noTextEdit="1"/>
+              </p:cNvSpPr>
+              <p:nvPr/>
+            </p:nvSpPr>
+            <p:spPr>
+              <a:xfrm>
+                <a:off x="3915102" y="3798332"/>
+                <a:ext cx="1955372" cy="369332"/>
+              </a:xfrm>
+              <a:prstGeom prst="rect">
+                <a:avLst/>
+              </a:prstGeom>
+              <a:blipFill>
+                <a:blip r:embed="rId7"/>
+                <a:stretch>
+                  <a:fillRect l="-2581" t="-6667" b="-23333"/>
+                </a:stretch>
+              </a:blipFill>
+            </p:spPr>
+            <p:txBody>
+              <a:bodyPr/>
+              <a:lstStyle/>
+              <a:p>
+                <a:r>
+                  <a:rPr lang="en-US">
+                    <a:noFill/>
+                  </a:rPr>
+                  <a:t> </a:t>
+                </a:r>
+              </a:p>
+            </p:txBody>
+          </p:sp>
+        </mc:Fallback>
+      </mc:AlternateContent>
+      <mc:AlternateContent xmlns:mc="http://schemas.openxmlformats.org/markup-compatibility/2006">
+        <mc:Choice xmlns:a14="http://schemas.microsoft.com/office/drawing/2010/main" Requires="a14">
+          <p:sp>
+            <p:nvSpPr>
+              <p:cNvPr id="14" name="TextBox 13">
+                <a:extLst>
+                  <a:ext uri="{FF2B5EF4-FFF2-40B4-BE49-F238E27FC236}">
+                    <a16:creationId xmlns:a16="http://schemas.microsoft.com/office/drawing/2014/main" id="{4DDAB690-751E-F06F-D309-11B9AD4895E3}"/>
+                  </a:ext>
+                </a:extLst>
+              </p:cNvPr>
+              <p:cNvSpPr txBox="1"/>
+              <p:nvPr/>
+            </p:nvSpPr>
+            <p:spPr>
+              <a:xfrm>
+                <a:off x="1241400" y="3785957"/>
+                <a:ext cx="2086175" cy="369332"/>
+              </a:xfrm>
+              <a:prstGeom prst="rect">
+                <a:avLst/>
+              </a:prstGeom>
+              <a:noFill/>
+            </p:spPr>
+            <p:txBody>
+              <a:bodyPr wrap="square" rtlCol="0">
+                <a:spAutoFit/>
+              </a:bodyPr>
+              <a:lstStyle/>
+              <a:p>
+                <a:r>
+                  <a:rPr lang="en-US" dirty="0"/>
+                  <a:t>encoder: </a:t>
+                </a:r>
+                <a14:m>
+                  <m:oMath xmlns:m="http://schemas.openxmlformats.org/officeDocument/2006/math">
+                    <m:r>
+                      <a:rPr lang="en-US" i="1" dirty="0">
+                        <a:latin typeface="Cambria Math" panose="02040503050406030204" pitchFamily="18" charset="0"/>
+                      </a:rPr>
+                      <m:t>𝑞</m:t>
+                    </m:r>
+                    <m:r>
+                      <a:rPr lang="en-US" i="1" dirty="0">
+                        <a:latin typeface="Cambria Math" panose="02040503050406030204" pitchFamily="18" charset="0"/>
+                      </a:rPr>
+                      <m:t>(</m:t>
+                    </m:r>
+                    <m:r>
+                      <a:rPr lang="en-US" i="1" dirty="0">
+                        <a:latin typeface="Cambria Math" panose="02040503050406030204" pitchFamily="18" charset="0"/>
+                      </a:rPr>
+                      <m:t>𝑧</m:t>
+                    </m:r>
+                    <m:r>
+                      <a:rPr lang="en-US" i="1" dirty="0">
+                        <a:latin typeface="Cambria Math" panose="02040503050406030204" pitchFamily="18" charset="0"/>
+                      </a:rPr>
+                      <m:t>|</m:t>
+                    </m:r>
+                    <m:r>
+                      <a:rPr lang="en-US" i="1" dirty="0">
+                        <a:latin typeface="Cambria Math" panose="02040503050406030204" pitchFamily="18" charset="0"/>
+                      </a:rPr>
+                      <m:t>𝑥</m:t>
+                    </m:r>
+                    <m:r>
+                      <a:rPr lang="en-US" i="1" dirty="0">
+                        <a:latin typeface="Cambria Math" panose="02040503050406030204" pitchFamily="18" charset="0"/>
+                      </a:rPr>
+                      <m:t>)</m:t>
+                    </m:r>
+                  </m:oMath>
+                </a14:m>
+                <a:r>
+                  <a:rPr lang="en-US" dirty="0"/>
+                  <a:t>  </a:t>
+                </a:r>
+              </a:p>
+            </p:txBody>
+          </p:sp>
+        </mc:Choice>
+        <mc:Fallback>
+          <p:sp>
+            <p:nvSpPr>
+              <p:cNvPr id="14" name="TextBox 13">
+                <a:extLst>
+                  <a:ext uri="{FF2B5EF4-FFF2-40B4-BE49-F238E27FC236}">
+                    <a16:creationId xmlns:a16="http://schemas.microsoft.com/office/drawing/2014/main" id="{4DDAB690-751E-F06F-D309-11B9AD4895E3}"/>
+                  </a:ext>
+                </a:extLst>
+              </p:cNvPr>
+              <p:cNvSpPr txBox="1">
+                <a:spLocks noRot="1" noChangeAspect="1" noMove="1" noResize="1" noEditPoints="1" noAdjustHandles="1" noChangeArrowheads="1" noChangeShapeType="1" noTextEdit="1"/>
+              </p:cNvSpPr>
+              <p:nvPr/>
+            </p:nvSpPr>
+            <p:spPr>
+              <a:xfrm>
+                <a:off x="1241400" y="3785957"/>
+                <a:ext cx="2086175" cy="369332"/>
+              </a:xfrm>
+              <a:prstGeom prst="rect">
+                <a:avLst/>
+              </a:prstGeom>
+              <a:blipFill>
+                <a:blip r:embed="rId8"/>
+                <a:stretch>
+                  <a:fillRect l="-2410" t="-6667" b="-26667"/>
+                </a:stretch>
+              </a:blipFill>
+            </p:spPr>
+            <p:txBody>
+              <a:bodyPr/>
+              <a:lstStyle/>
+              <a:p>
+                <a:r>
+                  <a:rPr lang="en-US">
+                    <a:noFill/>
+                  </a:rPr>
+                  <a:t> </a:t>
+                </a:r>
+              </a:p>
+            </p:txBody>
+          </p:sp>
+        </mc:Fallback>
+      </mc:AlternateContent>
     </p:spTree>
     <p:extLst>
       <p:ext uri="{BB962C8B-B14F-4D97-AF65-F5344CB8AC3E}">
-        <p14:creationId xmlns:p14="http://schemas.microsoft.com/office/powerpoint/2010/main" val="322981683"/>
+        <p14:creationId xmlns:p14="http://schemas.microsoft.com/office/powerpoint/2010/main" val="1556534105"/>
       </p:ext>
     </p:extLst>
   </p:cSld>
@@ -4235,7 +5571,7 @@
 </p:sld>
 </file>
 
-<file path=ppt/slides/slide3.xml><?xml version="1.0" encoding="utf-8"?>
+<file path=ppt/slides/slide5.xml><?xml version="1.0" encoding="utf-8"?>
 <p:sld xmlns:a="http://schemas.openxmlformats.org/drawingml/2006/main" xmlns:r="http://schemas.openxmlformats.org/officeDocument/2006/relationships" xmlns:p="http://schemas.openxmlformats.org/presentationml/2006/main">
   <p:cSld>
     <p:spTree>
@@ -4257,7 +5593,7 @@
           <p:cNvPr id="2" name="Title 1">
             <a:extLst>
               <a:ext uri="{FF2B5EF4-FFF2-40B4-BE49-F238E27FC236}">
-                <a16:creationId xmlns:a16="http://schemas.microsoft.com/office/drawing/2014/main" id="{DC3E043A-CB44-2E03-9659-D0BA8FD1CDF5}"/>
+                <a16:creationId xmlns:a16="http://schemas.microsoft.com/office/drawing/2014/main" id="{134A7E4E-ADF3-B796-29F5-088284BB01C9}"/>
               </a:ext>
             </a:extLst>
           </p:cNvPr>
@@ -4273,7 +5609,1647 @@
           <a:bodyPr/>
           <a:lstStyle/>
           <a:p>
-            <a:endParaRPr lang="en-US"/>
+            <a:r>
+              <a:rPr lang="en-US" dirty="0"/>
+              <a:t>Decoder As a Generator</a:t>
+            </a:r>
+          </a:p>
+        </p:txBody>
+      </p:sp>
+      <mc:AlternateContent xmlns:mc="http://schemas.openxmlformats.org/markup-compatibility/2006">
+        <mc:Choice xmlns:a14="http://schemas.microsoft.com/office/drawing/2010/main" Requires="a14">
+          <p:sp>
+            <p:nvSpPr>
+              <p:cNvPr id="3" name="Content Placeholder 2">
+                <a:extLst>
+                  <a:ext uri="{FF2B5EF4-FFF2-40B4-BE49-F238E27FC236}">
+                    <a16:creationId xmlns:a16="http://schemas.microsoft.com/office/drawing/2014/main" id="{8071576D-F042-0595-3BDE-F68782563DC6}"/>
+                  </a:ext>
+                </a:extLst>
+              </p:cNvPr>
+              <p:cNvSpPr>
+                <a:spLocks noGrp="1"/>
+              </p:cNvSpPr>
+              <p:nvPr>
+                <p:ph idx="1"/>
+              </p:nvPr>
+            </p:nvSpPr>
+            <p:spPr/>
+            <p:txBody>
+              <a:bodyPr/>
+              <a:lstStyle/>
+              <a:p>
+                <a:r>
+                  <a:rPr lang="en-US" dirty="0"/>
+                  <a:t>Decoder </a:t>
+                </a:r>
+                <a14:m>
+                  <m:oMath xmlns:m="http://schemas.openxmlformats.org/officeDocument/2006/math">
+                    <m:r>
+                      <a:rPr lang="en-US" i="1" dirty="0" smtClean="0">
+                        <a:latin typeface="Cambria Math" panose="02040503050406030204" pitchFamily="18" charset="0"/>
+                      </a:rPr>
+                      <m:t>𝑝</m:t>
+                    </m:r>
+                    <m:r>
+                      <a:rPr lang="en-US" dirty="0">
+                        <a:latin typeface="Cambria Math" panose="02040503050406030204" pitchFamily="18" charset="0"/>
+                      </a:rPr>
+                      <m:t>(</m:t>
+                    </m:r>
+                    <m:r>
+                      <a:rPr lang="en-US" b="0" i="1" dirty="0" smtClean="0">
+                        <a:latin typeface="Cambria Math" panose="02040503050406030204" pitchFamily="18" charset="0"/>
+                      </a:rPr>
+                      <m:t>𝑥</m:t>
+                    </m:r>
+                    <m:r>
+                      <a:rPr lang="en-US" b="0" i="1" dirty="0" smtClean="0">
+                        <a:latin typeface="Cambria Math" panose="02040503050406030204" pitchFamily="18" charset="0"/>
+                      </a:rPr>
+                      <m:t>|</m:t>
+                    </m:r>
+                    <m:r>
+                      <a:rPr lang="en-US" b="0" i="1" dirty="0" smtClean="0">
+                        <a:latin typeface="Cambria Math" panose="02040503050406030204" pitchFamily="18" charset="0"/>
+                      </a:rPr>
+                      <m:t>𝑧</m:t>
+                    </m:r>
+                    <m:r>
+                      <a:rPr lang="en-US" b="0" i="1" dirty="0" smtClean="0">
+                        <a:latin typeface="Cambria Math" panose="02040503050406030204" pitchFamily="18" charset="0"/>
+                      </a:rPr>
+                      <m:t>)</m:t>
+                    </m:r>
+                  </m:oMath>
+                </a14:m>
+                <a:r>
+                  <a:rPr lang="en-US" dirty="0"/>
+                  <a:t> construct an output (in the same form as input) according to the information </a:t>
+                </a:r>
+                <a14:m>
+                  <m:oMath xmlns:m="http://schemas.openxmlformats.org/officeDocument/2006/math">
+                    <m:r>
+                      <a:rPr lang="en-US" i="1" dirty="0">
+                        <a:latin typeface="Cambria Math" panose="02040503050406030204" pitchFamily="18" charset="0"/>
+                      </a:rPr>
+                      <m:t>𝑧</m:t>
+                    </m:r>
+                  </m:oMath>
+                </a14:m>
+                <a:r>
+                  <a:rPr lang="en-US" dirty="0"/>
+                  <a:t>. </a:t>
+                </a:r>
+              </a:p>
+              <a:p>
+                <a:r>
+                  <a:rPr lang="en-US" dirty="0"/>
+                  <a:t>Imagine we have an autoencoder of a human face. The emotion on the face might be represented in </a:t>
+                </a:r>
+                <a14:m>
+                  <m:oMath xmlns:m="http://schemas.openxmlformats.org/officeDocument/2006/math">
+                    <m:r>
+                      <a:rPr lang="en-US" i="1" dirty="0" smtClean="0">
+                        <a:latin typeface="Cambria Math" panose="02040503050406030204" pitchFamily="18" charset="0"/>
+                      </a:rPr>
+                      <m:t>𝑧</m:t>
+                    </m:r>
+                  </m:oMath>
+                </a14:m>
+                <a:r>
+                  <a:rPr lang="en-US" dirty="0"/>
+                  <a:t>. </a:t>
+                </a:r>
+              </a:p>
+              <a:p>
+                <a:r>
+                  <a:rPr lang="en-US" dirty="0"/>
+                  <a:t>Then we might be able to use he decoder as a generative model!</a:t>
+                </a:r>
+              </a:p>
+            </p:txBody>
+          </p:sp>
+        </mc:Choice>
+        <mc:Fallback>
+          <p:sp>
+            <p:nvSpPr>
+              <p:cNvPr id="3" name="Content Placeholder 2">
+                <a:extLst>
+                  <a:ext uri="{FF2B5EF4-FFF2-40B4-BE49-F238E27FC236}">
+                    <a16:creationId xmlns:a16="http://schemas.microsoft.com/office/drawing/2014/main" id="{8071576D-F042-0595-3BDE-F68782563DC6}"/>
+                  </a:ext>
+                </a:extLst>
+              </p:cNvPr>
+              <p:cNvSpPr>
+                <a:spLocks noGrp="1" noRot="1" noChangeAspect="1" noMove="1" noResize="1" noEditPoints="1" noAdjustHandles="1" noChangeArrowheads="1" noChangeShapeType="1" noTextEdit="1"/>
+              </p:cNvSpPr>
+              <p:nvPr>
+                <p:ph idx="1"/>
+              </p:nvPr>
+            </p:nvSpPr>
+            <p:spPr>
+              <a:blipFill>
+                <a:blip r:embed="rId2"/>
+                <a:stretch>
+                  <a:fillRect l="-1086" t="-2326"/>
+                </a:stretch>
+              </a:blipFill>
+            </p:spPr>
+            <p:txBody>
+              <a:bodyPr/>
+              <a:lstStyle/>
+              <a:p>
+                <a:r>
+                  <a:rPr lang="en-US">
+                    <a:noFill/>
+                  </a:rPr>
+                  <a:t> </a:t>
+                </a:r>
+              </a:p>
+            </p:txBody>
+          </p:sp>
+        </mc:Fallback>
+      </mc:AlternateContent>
+    </p:spTree>
+    <p:extLst>
+      <p:ext uri="{BB962C8B-B14F-4D97-AF65-F5344CB8AC3E}">
+        <p14:creationId xmlns:p14="http://schemas.microsoft.com/office/powerpoint/2010/main" val="3111751881"/>
+      </p:ext>
+    </p:extLst>
+  </p:cSld>
+  <p:clrMapOvr>
+    <a:masterClrMapping/>
+  </p:clrMapOvr>
+</p:sld>
+</file>
+
+<file path=ppt/slides/slide6.xml><?xml version="1.0" encoding="utf-8"?>
+<p:sld xmlns:a="http://schemas.openxmlformats.org/drawingml/2006/main" xmlns:r="http://schemas.openxmlformats.org/officeDocument/2006/relationships" xmlns:p="http://schemas.openxmlformats.org/presentationml/2006/main">
+  <p:cSld>
+    <p:spTree>
+      <p:nvGrpSpPr>
+        <p:cNvPr id="1" name=""/>
+        <p:cNvGrpSpPr/>
+        <p:nvPr/>
+      </p:nvGrpSpPr>
+      <p:grpSpPr>
+        <a:xfrm>
+          <a:off x="0" y="0"/>
+          <a:ext cx="0" cy="0"/>
+          <a:chOff x="0" y="0"/>
+          <a:chExt cx="0" cy="0"/>
+        </a:xfrm>
+      </p:grpSpPr>
+      <p:sp>
+        <p:nvSpPr>
+          <p:cNvPr id="2" name="Title 1">
+            <a:extLst>
+              <a:ext uri="{FF2B5EF4-FFF2-40B4-BE49-F238E27FC236}">
+                <a16:creationId xmlns:a16="http://schemas.microsoft.com/office/drawing/2014/main" id="{4768231E-FF0A-B9F1-FC06-89F511FF7435}"/>
+              </a:ext>
+            </a:extLst>
+          </p:cNvPr>
+          <p:cNvSpPr>
+            <a:spLocks noGrp="1"/>
+          </p:cNvSpPr>
+          <p:nvPr>
+            <p:ph type="title"/>
+          </p:nvPr>
+        </p:nvSpPr>
+        <p:spPr/>
+        <p:txBody>
+          <a:bodyPr/>
+          <a:lstStyle/>
+          <a:p>
+            <a:r>
+              <a:rPr lang="en-US" dirty="0"/>
+              <a:t>From Autoencoder to VAE</a:t>
+            </a:r>
+          </a:p>
+        </p:txBody>
+      </p:sp>
+      <mc:AlternateContent xmlns:mc="http://schemas.openxmlformats.org/markup-compatibility/2006" xmlns:a14="http://schemas.microsoft.com/office/drawing/2010/main">
+        <mc:Choice Requires="a14">
+          <p:sp>
+            <p:nvSpPr>
+              <p:cNvPr id="5" name="TextBox 4">
+                <a:extLst>
+                  <a:ext uri="{FF2B5EF4-FFF2-40B4-BE49-F238E27FC236}">
+                    <a16:creationId xmlns:a16="http://schemas.microsoft.com/office/drawing/2014/main" id="{17598F8A-046C-944D-0218-1C93DB8DD703}"/>
+                  </a:ext>
+                </a:extLst>
+              </p:cNvPr>
+              <p:cNvSpPr txBox="1"/>
+              <p:nvPr/>
+            </p:nvSpPr>
+            <p:spPr>
+              <a:xfrm>
+                <a:off x="731363" y="2346680"/>
+                <a:ext cx="356461" cy="369332"/>
+              </a:xfrm>
+              <a:prstGeom prst="rect">
+                <a:avLst/>
+              </a:prstGeom>
+              <a:noFill/>
+            </p:spPr>
+            <p:txBody>
+              <a:bodyPr wrap="square" rtlCol="0">
+                <a:spAutoFit/>
+              </a:bodyPr>
+              <a:lstStyle/>
+              <a:p>
+                <a:pPr/>
+                <a14:m>
+                  <m:oMathPara xmlns:m="http://schemas.openxmlformats.org/officeDocument/2006/math">
+                    <m:oMathParaPr>
+                      <m:jc m:val="centerGroup"/>
+                    </m:oMathParaPr>
+                    <m:oMath xmlns:m="http://schemas.openxmlformats.org/officeDocument/2006/math">
+                      <m:r>
+                        <a:rPr lang="en-US" b="0" i="1" smtClean="0">
+                          <a:latin typeface="Cambria Math" panose="02040503050406030204" pitchFamily="18" charset="0"/>
+                        </a:rPr>
+                        <m:t>𝑥</m:t>
+                      </m:r>
+                    </m:oMath>
+                  </m:oMathPara>
+                </a14:m>
+                <a:endParaRPr lang="en-US" dirty="0"/>
+              </a:p>
+            </p:txBody>
+          </p:sp>
+        </mc:Choice>
+        <mc:Fallback xmlns="">
+          <p:sp>
+            <p:nvSpPr>
+              <p:cNvPr id="5" name="TextBox 4">
+                <a:extLst>
+                  <a:ext uri="{FF2B5EF4-FFF2-40B4-BE49-F238E27FC236}">
+                    <a16:creationId xmlns:a16="http://schemas.microsoft.com/office/drawing/2014/main" id="{17598F8A-046C-944D-0218-1C93DB8DD703}"/>
+                  </a:ext>
+                </a:extLst>
+              </p:cNvPr>
+              <p:cNvSpPr txBox="1">
+                <a:spLocks noRot="1" noChangeAspect="1" noMove="1" noResize="1" noEditPoints="1" noAdjustHandles="1" noChangeArrowheads="1" noChangeShapeType="1" noTextEdit="1"/>
+              </p:cNvSpPr>
+              <p:nvPr/>
+            </p:nvSpPr>
+            <p:spPr>
+              <a:xfrm>
+                <a:off x="731363" y="2346680"/>
+                <a:ext cx="356461" cy="369332"/>
+              </a:xfrm>
+              <a:prstGeom prst="rect">
+                <a:avLst/>
+              </a:prstGeom>
+              <a:blipFill>
+                <a:blip r:embed="rId2"/>
+                <a:stretch>
+                  <a:fillRect/>
+                </a:stretch>
+              </a:blipFill>
+            </p:spPr>
+            <p:txBody>
+              <a:bodyPr/>
+              <a:lstStyle/>
+              <a:p>
+                <a:r>
+                  <a:rPr lang="en-US">
+                    <a:noFill/>
+                  </a:rPr>
+                  <a:t> </a:t>
+                </a:r>
+              </a:p>
+            </p:txBody>
+          </p:sp>
+        </mc:Fallback>
+      </mc:AlternateContent>
+      <mc:AlternateContent xmlns:mc="http://schemas.openxmlformats.org/markup-compatibility/2006" xmlns:a14="http://schemas.microsoft.com/office/drawing/2010/main">
+        <mc:Choice Requires="a14">
+          <p:sp>
+            <p:nvSpPr>
+              <p:cNvPr id="6" name="TextBox 5">
+                <a:extLst>
+                  <a:ext uri="{FF2B5EF4-FFF2-40B4-BE49-F238E27FC236}">
+                    <a16:creationId xmlns:a16="http://schemas.microsoft.com/office/drawing/2014/main" id="{EB019B62-BE21-A314-F009-A23295EA49D9}"/>
+                  </a:ext>
+                </a:extLst>
+              </p:cNvPr>
+              <p:cNvSpPr txBox="1"/>
+              <p:nvPr/>
+            </p:nvSpPr>
+            <p:spPr>
+              <a:xfrm>
+                <a:off x="5898543" y="2346680"/>
+                <a:ext cx="356461" cy="369332"/>
+              </a:xfrm>
+              <a:prstGeom prst="rect">
+                <a:avLst/>
+              </a:prstGeom>
+              <a:noFill/>
+            </p:spPr>
+            <p:txBody>
+              <a:bodyPr wrap="square" rtlCol="0">
+                <a:spAutoFit/>
+              </a:bodyPr>
+              <a:lstStyle/>
+              <a:p>
+                <a:pPr/>
+                <a14:m>
+                  <m:oMathPara xmlns:m="http://schemas.openxmlformats.org/officeDocument/2006/math">
+                    <m:oMathParaPr>
+                      <m:jc m:val="centerGroup"/>
+                    </m:oMathParaPr>
+                    <m:oMath xmlns:m="http://schemas.openxmlformats.org/officeDocument/2006/math">
+                      <m:acc>
+                        <m:accPr>
+                          <m:chr m:val="̂"/>
+                          <m:ctrlPr>
+                            <a:rPr lang="en-US" i="1" smtClean="0">
+                              <a:latin typeface="Cambria Math" panose="02040503050406030204" pitchFamily="18" charset="0"/>
+                            </a:rPr>
+                          </m:ctrlPr>
+                        </m:accPr>
+                        <m:e>
+                          <m:r>
+                            <a:rPr lang="en-US" b="0" i="1" smtClean="0">
+                              <a:latin typeface="Cambria Math" panose="02040503050406030204" pitchFamily="18" charset="0"/>
+                            </a:rPr>
+                            <m:t>𝑥</m:t>
+                          </m:r>
+                        </m:e>
+                      </m:acc>
+                    </m:oMath>
+                  </m:oMathPara>
+                </a14:m>
+                <a:endParaRPr lang="en-US" dirty="0"/>
+              </a:p>
+            </p:txBody>
+          </p:sp>
+        </mc:Choice>
+        <mc:Fallback xmlns="">
+          <p:sp>
+            <p:nvSpPr>
+              <p:cNvPr id="6" name="TextBox 5">
+                <a:extLst>
+                  <a:ext uri="{FF2B5EF4-FFF2-40B4-BE49-F238E27FC236}">
+                    <a16:creationId xmlns:a16="http://schemas.microsoft.com/office/drawing/2014/main" id="{EB019B62-BE21-A314-F009-A23295EA49D9}"/>
+                  </a:ext>
+                </a:extLst>
+              </p:cNvPr>
+              <p:cNvSpPr txBox="1">
+                <a:spLocks noRot="1" noChangeAspect="1" noMove="1" noResize="1" noEditPoints="1" noAdjustHandles="1" noChangeArrowheads="1" noChangeShapeType="1" noTextEdit="1"/>
+              </p:cNvSpPr>
+              <p:nvPr/>
+            </p:nvSpPr>
+            <p:spPr>
+              <a:xfrm>
+                <a:off x="5898543" y="2346680"/>
+                <a:ext cx="356461" cy="369332"/>
+              </a:xfrm>
+              <a:prstGeom prst="rect">
+                <a:avLst/>
+              </a:prstGeom>
+              <a:blipFill>
+                <a:blip r:embed="rId3"/>
+                <a:stretch>
+                  <a:fillRect/>
+                </a:stretch>
+              </a:blipFill>
+            </p:spPr>
+            <p:txBody>
+              <a:bodyPr/>
+              <a:lstStyle/>
+              <a:p>
+                <a:r>
+                  <a:rPr lang="en-US">
+                    <a:noFill/>
+                  </a:rPr>
+                  <a:t> </a:t>
+                </a:r>
+              </a:p>
+            </p:txBody>
+          </p:sp>
+        </mc:Fallback>
+      </mc:AlternateContent>
+      <mc:AlternateContent xmlns:mc="http://schemas.openxmlformats.org/markup-compatibility/2006" xmlns:a14="http://schemas.microsoft.com/office/drawing/2010/main">
+        <mc:Choice Requires="a14">
+          <p:sp>
+            <p:nvSpPr>
+              <p:cNvPr id="8" name="TextBox 7">
+                <a:extLst>
+                  <a:ext uri="{FF2B5EF4-FFF2-40B4-BE49-F238E27FC236}">
+                    <a16:creationId xmlns:a16="http://schemas.microsoft.com/office/drawing/2014/main" id="{10ED77B8-F578-FB2B-265E-9D8C3A34DDA8}"/>
+                  </a:ext>
+                </a:extLst>
+              </p:cNvPr>
+              <p:cNvSpPr txBox="1"/>
+              <p:nvPr/>
+            </p:nvSpPr>
+            <p:spPr>
+              <a:xfrm>
+                <a:off x="3276207" y="3059668"/>
+                <a:ext cx="356461" cy="369332"/>
+              </a:xfrm>
+              <a:prstGeom prst="rect">
+                <a:avLst/>
+              </a:prstGeom>
+              <a:noFill/>
+            </p:spPr>
+            <p:txBody>
+              <a:bodyPr wrap="square" rtlCol="0">
+                <a:spAutoFit/>
+              </a:bodyPr>
+              <a:lstStyle/>
+              <a:p>
+                <a:pPr/>
+                <a14:m>
+                  <m:oMathPara xmlns:m="http://schemas.openxmlformats.org/officeDocument/2006/math">
+                    <m:oMathParaPr>
+                      <m:jc m:val="centerGroup"/>
+                    </m:oMathParaPr>
+                    <m:oMath xmlns:m="http://schemas.openxmlformats.org/officeDocument/2006/math">
+                      <m:r>
+                        <a:rPr lang="en-US" b="0" i="1" smtClean="0">
+                          <a:latin typeface="Cambria Math" panose="02040503050406030204" pitchFamily="18" charset="0"/>
+                        </a:rPr>
+                        <m:t>𝑧</m:t>
+                      </m:r>
+                    </m:oMath>
+                  </m:oMathPara>
+                </a14:m>
+                <a:endParaRPr lang="en-US" dirty="0"/>
+              </a:p>
+            </p:txBody>
+          </p:sp>
+        </mc:Choice>
+        <mc:Fallback xmlns="">
+          <p:sp>
+            <p:nvSpPr>
+              <p:cNvPr id="8" name="TextBox 7">
+                <a:extLst>
+                  <a:ext uri="{FF2B5EF4-FFF2-40B4-BE49-F238E27FC236}">
+                    <a16:creationId xmlns:a16="http://schemas.microsoft.com/office/drawing/2014/main" id="{10ED77B8-F578-FB2B-265E-9D8C3A34DDA8}"/>
+                  </a:ext>
+                </a:extLst>
+              </p:cNvPr>
+              <p:cNvSpPr txBox="1">
+                <a:spLocks noRot="1" noChangeAspect="1" noMove="1" noResize="1" noEditPoints="1" noAdjustHandles="1" noChangeArrowheads="1" noChangeShapeType="1" noTextEdit="1"/>
+              </p:cNvSpPr>
+              <p:nvPr/>
+            </p:nvSpPr>
+            <p:spPr>
+              <a:xfrm>
+                <a:off x="3276207" y="3059668"/>
+                <a:ext cx="356461" cy="369332"/>
+              </a:xfrm>
+              <a:prstGeom prst="rect">
+                <a:avLst/>
+              </a:prstGeom>
+              <a:blipFill>
+                <a:blip r:embed="rId4"/>
+                <a:stretch>
+                  <a:fillRect/>
+                </a:stretch>
+              </a:blipFill>
+            </p:spPr>
+            <p:txBody>
+              <a:bodyPr/>
+              <a:lstStyle/>
+              <a:p>
+                <a:r>
+                  <a:rPr lang="en-US">
+                    <a:noFill/>
+                  </a:rPr>
+                  <a:t> </a:t>
+                </a:r>
+              </a:p>
+            </p:txBody>
+          </p:sp>
+        </mc:Fallback>
+      </mc:AlternateContent>
+      <mc:AlternateContent xmlns:mc="http://schemas.openxmlformats.org/markup-compatibility/2006" xmlns:a14="http://schemas.microsoft.com/office/drawing/2010/main">
+        <mc:Choice Requires="a14">
+          <p:sp>
+            <p:nvSpPr>
+              <p:cNvPr id="12" name="Content Placeholder 2">
+                <a:extLst>
+                  <a:ext uri="{FF2B5EF4-FFF2-40B4-BE49-F238E27FC236}">
+                    <a16:creationId xmlns:a16="http://schemas.microsoft.com/office/drawing/2014/main" id="{11BBA27A-3F9B-52DB-DBC8-502DFFAD3AA5}"/>
+                  </a:ext>
+                </a:extLst>
+              </p:cNvPr>
+              <p:cNvSpPr txBox="1">
+                <a:spLocks/>
+              </p:cNvSpPr>
+              <p:nvPr/>
+            </p:nvSpPr>
+            <p:spPr>
+              <a:xfrm>
+                <a:off x="6729130" y="2418514"/>
+                <a:ext cx="4814042" cy="4351338"/>
+              </a:xfrm>
+              <a:prstGeom prst="rect">
+                <a:avLst/>
+              </a:prstGeom>
+            </p:spPr>
+            <p:txBody>
+              <a:bodyPr vert="horz" lIns="91440" tIns="45720" rIns="91440" bIns="45720" rtlCol="0">
+                <a:normAutofit/>
+              </a:bodyPr>
+              <a:lstStyle>
+                <a:lvl1pPr marL="228600" indent="-228600" algn="l" defTabSz="914400" rtl="0" eaLnBrk="1" latinLnBrk="0" hangingPunct="1">
+                  <a:lnSpc>
+                    <a:spcPct val="90000"/>
+                  </a:lnSpc>
+                  <a:spcBef>
+                    <a:spcPts val="1000"/>
+                  </a:spcBef>
+                  <a:buFont typeface="Arial" panose="020B0604020202020204" pitchFamily="34" charset="0"/>
+                  <a:buChar char="•"/>
+                  <a:defRPr sz="2800" kern="1200">
+                    <a:solidFill>
+                      <a:schemeClr val="tx1"/>
+                    </a:solidFill>
+                    <a:latin typeface="+mn-lt"/>
+                    <a:ea typeface="+mn-ea"/>
+                    <a:cs typeface="+mn-cs"/>
+                  </a:defRPr>
+                </a:lvl1pPr>
+                <a:lvl2pPr marL="685800" indent="-228600" algn="l" defTabSz="914400" rtl="0" eaLnBrk="1" latinLnBrk="0" hangingPunct="1">
+                  <a:lnSpc>
+                    <a:spcPct val="90000"/>
+                  </a:lnSpc>
+                  <a:spcBef>
+                    <a:spcPts val="500"/>
+                  </a:spcBef>
+                  <a:buFont typeface="Arial" panose="020B0604020202020204" pitchFamily="34" charset="0"/>
+                  <a:buChar char="•"/>
+                  <a:defRPr sz="2400" kern="1200">
+                    <a:solidFill>
+                      <a:schemeClr val="tx1"/>
+                    </a:solidFill>
+                    <a:latin typeface="+mn-lt"/>
+                    <a:ea typeface="+mn-ea"/>
+                    <a:cs typeface="+mn-cs"/>
+                  </a:defRPr>
+                </a:lvl2pPr>
+                <a:lvl3pPr marL="1143000" indent="-228600" algn="l" defTabSz="914400" rtl="0" eaLnBrk="1" latinLnBrk="0" hangingPunct="1">
+                  <a:lnSpc>
+                    <a:spcPct val="90000"/>
+                  </a:lnSpc>
+                  <a:spcBef>
+                    <a:spcPts val="500"/>
+                  </a:spcBef>
+                  <a:buFont typeface="Arial" panose="020B0604020202020204" pitchFamily="34" charset="0"/>
+                  <a:buChar char="•"/>
+                  <a:defRPr sz="2000" kern="1200">
+                    <a:solidFill>
+                      <a:schemeClr val="tx1"/>
+                    </a:solidFill>
+                    <a:latin typeface="+mn-lt"/>
+                    <a:ea typeface="+mn-ea"/>
+                    <a:cs typeface="+mn-cs"/>
+                  </a:defRPr>
+                </a:lvl3pPr>
+                <a:lvl4pPr marL="1600200" indent="-228600" algn="l" defTabSz="914400" rtl="0" eaLnBrk="1" latinLnBrk="0" hangingPunct="1">
+                  <a:lnSpc>
+                    <a:spcPct val="90000"/>
+                  </a:lnSpc>
+                  <a:spcBef>
+                    <a:spcPts val="500"/>
+                  </a:spcBef>
+                  <a:buFont typeface="Arial" panose="020B0604020202020204" pitchFamily="34" charset="0"/>
+                  <a:buChar char="•"/>
+                  <a:defRPr sz="1800" kern="1200">
+                    <a:solidFill>
+                      <a:schemeClr val="tx1"/>
+                    </a:solidFill>
+                    <a:latin typeface="+mn-lt"/>
+                    <a:ea typeface="+mn-ea"/>
+                    <a:cs typeface="+mn-cs"/>
+                  </a:defRPr>
+                </a:lvl4pPr>
+                <a:lvl5pPr marL="2057400" indent="-228600" algn="l" defTabSz="914400" rtl="0" eaLnBrk="1" latinLnBrk="0" hangingPunct="1">
+                  <a:lnSpc>
+                    <a:spcPct val="90000"/>
+                  </a:lnSpc>
+                  <a:spcBef>
+                    <a:spcPts val="500"/>
+                  </a:spcBef>
+                  <a:buFont typeface="Arial" panose="020B0604020202020204" pitchFamily="34" charset="0"/>
+                  <a:buChar char="•"/>
+                  <a:defRPr sz="1800" kern="1200">
+                    <a:solidFill>
+                      <a:schemeClr val="tx1"/>
+                    </a:solidFill>
+                    <a:latin typeface="+mn-lt"/>
+                    <a:ea typeface="+mn-ea"/>
+                    <a:cs typeface="+mn-cs"/>
+                  </a:defRPr>
+                </a:lvl5pPr>
+                <a:lvl6pPr marL="2514600" indent="-228600" algn="l" defTabSz="914400" rtl="0" eaLnBrk="1" latinLnBrk="0" hangingPunct="1">
+                  <a:lnSpc>
+                    <a:spcPct val="90000"/>
+                  </a:lnSpc>
+                  <a:spcBef>
+                    <a:spcPts val="500"/>
+                  </a:spcBef>
+                  <a:buFont typeface="Arial" panose="020B0604020202020204" pitchFamily="34" charset="0"/>
+                  <a:buChar char="•"/>
+                  <a:defRPr sz="1800" kern="1200">
+                    <a:solidFill>
+                      <a:schemeClr val="tx1"/>
+                    </a:solidFill>
+                    <a:latin typeface="+mn-lt"/>
+                    <a:ea typeface="+mn-ea"/>
+                    <a:cs typeface="+mn-cs"/>
+                  </a:defRPr>
+                </a:lvl6pPr>
+                <a:lvl7pPr marL="2971800" indent="-228600" algn="l" defTabSz="914400" rtl="0" eaLnBrk="1" latinLnBrk="0" hangingPunct="1">
+                  <a:lnSpc>
+                    <a:spcPct val="90000"/>
+                  </a:lnSpc>
+                  <a:spcBef>
+                    <a:spcPts val="500"/>
+                  </a:spcBef>
+                  <a:buFont typeface="Arial" panose="020B0604020202020204" pitchFamily="34" charset="0"/>
+                  <a:buChar char="•"/>
+                  <a:defRPr sz="1800" kern="1200">
+                    <a:solidFill>
+                      <a:schemeClr val="tx1"/>
+                    </a:solidFill>
+                    <a:latin typeface="+mn-lt"/>
+                    <a:ea typeface="+mn-ea"/>
+                    <a:cs typeface="+mn-cs"/>
+                  </a:defRPr>
+                </a:lvl7pPr>
+                <a:lvl8pPr marL="3429000" indent="-228600" algn="l" defTabSz="914400" rtl="0" eaLnBrk="1" latinLnBrk="0" hangingPunct="1">
+                  <a:lnSpc>
+                    <a:spcPct val="90000"/>
+                  </a:lnSpc>
+                  <a:spcBef>
+                    <a:spcPts val="500"/>
+                  </a:spcBef>
+                  <a:buFont typeface="Arial" panose="020B0604020202020204" pitchFamily="34" charset="0"/>
+                  <a:buChar char="•"/>
+                  <a:defRPr sz="1800" kern="1200">
+                    <a:solidFill>
+                      <a:schemeClr val="tx1"/>
+                    </a:solidFill>
+                    <a:latin typeface="+mn-lt"/>
+                    <a:ea typeface="+mn-ea"/>
+                    <a:cs typeface="+mn-cs"/>
+                  </a:defRPr>
+                </a:lvl8pPr>
+                <a:lvl9pPr marL="3886200" indent="-228600" algn="l" defTabSz="914400" rtl="0" eaLnBrk="1" latinLnBrk="0" hangingPunct="1">
+                  <a:lnSpc>
+                    <a:spcPct val="90000"/>
+                  </a:lnSpc>
+                  <a:spcBef>
+                    <a:spcPts val="500"/>
+                  </a:spcBef>
+                  <a:buFont typeface="Arial" panose="020B0604020202020204" pitchFamily="34" charset="0"/>
+                  <a:buChar char="•"/>
+                  <a:defRPr sz="1800" kern="1200">
+                    <a:solidFill>
+                      <a:schemeClr val="tx1"/>
+                    </a:solidFill>
+                    <a:latin typeface="+mn-lt"/>
+                    <a:ea typeface="+mn-ea"/>
+                    <a:cs typeface="+mn-cs"/>
+                  </a:defRPr>
+                </a:lvl9pPr>
+              </a:lstStyle>
+              <a:p>
+                <a14:m>
+                  <m:oMath xmlns:m="http://schemas.openxmlformats.org/officeDocument/2006/math">
+                    <m:r>
+                      <a:rPr lang="en-US" b="0" i="1" smtClean="0">
+                        <a:latin typeface="Cambria Math" panose="02040503050406030204" pitchFamily="18" charset="0"/>
+                      </a:rPr>
+                      <m:t>𝑥</m:t>
+                    </m:r>
+                    <m:r>
+                      <a:rPr lang="en-US" b="0" i="1" smtClean="0">
+                        <a:latin typeface="Cambria Math" panose="02040503050406030204" pitchFamily="18" charset="0"/>
+                      </a:rPr>
+                      <m:t> </m:t>
+                    </m:r>
+                  </m:oMath>
+                </a14:m>
+                <a:r>
+                  <a:rPr lang="en-US" dirty="0"/>
+                  <a:t>is the input</a:t>
+                </a:r>
+              </a:p>
+              <a:p>
+                <a14:m>
+                  <m:oMath xmlns:m="http://schemas.openxmlformats.org/officeDocument/2006/math">
+                    <m:r>
+                      <a:rPr lang="en-US" b="0" i="1" smtClean="0">
+                        <a:latin typeface="Cambria Math" panose="02040503050406030204" pitchFamily="18" charset="0"/>
+                      </a:rPr>
+                      <m:t>𝑧</m:t>
+                    </m:r>
+                    <m:r>
+                      <a:rPr lang="en-US" b="0" i="1" smtClean="0">
+                        <a:latin typeface="Cambria Math" panose="02040503050406030204" pitchFamily="18" charset="0"/>
+                      </a:rPr>
+                      <m:t> </m:t>
+                    </m:r>
+                  </m:oMath>
+                </a14:m>
+                <a:r>
+                  <a:rPr lang="en-US" dirty="0"/>
+                  <a:t>is latent representation of </a:t>
+                </a:r>
+                <a14:m>
+                  <m:oMath xmlns:m="http://schemas.openxmlformats.org/officeDocument/2006/math">
+                    <m:r>
+                      <a:rPr lang="en-US" b="0" i="1" smtClean="0">
+                        <a:latin typeface="Cambria Math" panose="02040503050406030204" pitchFamily="18" charset="0"/>
+                      </a:rPr>
+                      <m:t>𝑥</m:t>
+                    </m:r>
+                  </m:oMath>
+                </a14:m>
+                <a:r>
+                  <a:rPr lang="en-US" dirty="0"/>
+                  <a:t> the network learns</a:t>
+                </a:r>
+              </a:p>
+              <a:p>
+                <a14:m>
+                  <m:oMath xmlns:m="http://schemas.openxmlformats.org/officeDocument/2006/math">
+                    <m:acc>
+                      <m:accPr>
+                        <m:chr m:val="̂"/>
+                        <m:ctrlPr>
+                          <a:rPr lang="en-US" i="1" smtClean="0">
+                            <a:latin typeface="Cambria Math" panose="02040503050406030204" pitchFamily="18" charset="0"/>
+                          </a:rPr>
+                        </m:ctrlPr>
+                      </m:accPr>
+                      <m:e>
+                        <m:r>
+                          <a:rPr lang="en-US" b="0" i="1" smtClean="0">
+                            <a:latin typeface="Cambria Math" panose="02040503050406030204" pitchFamily="18" charset="0"/>
+                          </a:rPr>
+                          <m:t>𝑥</m:t>
+                        </m:r>
+                      </m:e>
+                    </m:acc>
+                  </m:oMath>
+                </a14:m>
+                <a:r>
+                  <a:rPr lang="en-US" dirty="0"/>
+                  <a:t> is the reconstruction from </a:t>
+                </a:r>
+                <a14:m>
+                  <m:oMath xmlns:m="http://schemas.openxmlformats.org/officeDocument/2006/math">
+                    <m:r>
+                      <a:rPr lang="en-US" b="0" i="1" smtClean="0">
+                        <a:latin typeface="Cambria Math" panose="02040503050406030204" pitchFamily="18" charset="0"/>
+                      </a:rPr>
+                      <m:t>𝑥</m:t>
+                    </m:r>
+                  </m:oMath>
+                </a14:m>
+                <a:endParaRPr lang="en-US" dirty="0"/>
+              </a:p>
+              <a:p>
+                <a14:m>
+                  <m:oMath xmlns:m="http://schemas.openxmlformats.org/officeDocument/2006/math">
+                    <m:r>
+                      <a:rPr lang="en-US" i="1" smtClean="0">
+                        <a:solidFill>
+                          <a:schemeClr val="accent1"/>
+                        </a:solidFill>
+                        <a:latin typeface="Cambria Math" panose="02040503050406030204" pitchFamily="18" charset="0"/>
+                        <a:ea typeface="Cambria Math" panose="02040503050406030204" pitchFamily="18" charset="0"/>
+                      </a:rPr>
+                      <m:t>𝜇</m:t>
+                    </m:r>
+                  </m:oMath>
+                </a14:m>
+                <a:r>
+                  <a:rPr lang="en-US" dirty="0">
+                    <a:solidFill>
+                      <a:schemeClr val="accent1"/>
+                    </a:solidFill>
+                  </a:rPr>
+                  <a:t> is mean vector and </a:t>
+                </a:r>
+                <a14:m>
+                  <m:oMath xmlns:m="http://schemas.openxmlformats.org/officeDocument/2006/math">
+                    <m:r>
+                      <a:rPr lang="en-US" i="1">
+                        <a:solidFill>
+                          <a:schemeClr val="accent1"/>
+                        </a:solidFill>
+                        <a:latin typeface="Cambria Math" panose="02040503050406030204" pitchFamily="18" charset="0"/>
+                        <a:ea typeface="Cambria Math" panose="02040503050406030204" pitchFamily="18" charset="0"/>
+                      </a:rPr>
+                      <m:t>𝜎</m:t>
+                    </m:r>
+                    <m:r>
+                      <a:rPr lang="en-US" i="1">
+                        <a:solidFill>
+                          <a:schemeClr val="accent1"/>
+                        </a:solidFill>
+                        <a:latin typeface="Cambria Math" panose="02040503050406030204" pitchFamily="18" charset="0"/>
+                        <a:ea typeface="Cambria Math" panose="02040503050406030204" pitchFamily="18" charset="0"/>
+                      </a:rPr>
+                      <m:t> </m:t>
+                    </m:r>
+                  </m:oMath>
+                </a14:m>
+                <a:r>
+                  <a:rPr lang="en-US" dirty="0">
+                    <a:solidFill>
+                      <a:schemeClr val="accent1"/>
+                    </a:solidFill>
+                  </a:rPr>
+                  <a:t> is  standard deviation from a prior distribution (usually we take Gaussian )</a:t>
+                </a:r>
+              </a:p>
+              <a:p>
+                <a:endParaRPr lang="en-US" dirty="0"/>
+              </a:p>
+              <a:p>
+                <a:endParaRPr lang="en-US" dirty="0"/>
+              </a:p>
+            </p:txBody>
+          </p:sp>
+        </mc:Choice>
+        <mc:Fallback xmlns="">
+          <p:sp>
+            <p:nvSpPr>
+              <p:cNvPr id="12" name="Content Placeholder 2">
+                <a:extLst>
+                  <a:ext uri="{FF2B5EF4-FFF2-40B4-BE49-F238E27FC236}">
+                    <a16:creationId xmlns:a16="http://schemas.microsoft.com/office/drawing/2014/main" id="{11BBA27A-3F9B-52DB-DBC8-502DFFAD3AA5}"/>
+                  </a:ext>
+                </a:extLst>
+              </p:cNvPr>
+              <p:cNvSpPr txBox="1">
+                <a:spLocks noRot="1" noChangeAspect="1" noMove="1" noResize="1" noEditPoints="1" noAdjustHandles="1" noChangeArrowheads="1" noChangeShapeType="1" noTextEdit="1"/>
+              </p:cNvSpPr>
+              <p:nvPr/>
+            </p:nvSpPr>
+            <p:spPr>
+              <a:xfrm>
+                <a:off x="6729130" y="2418514"/>
+                <a:ext cx="4814042" cy="4351338"/>
+              </a:xfrm>
+              <a:prstGeom prst="rect">
+                <a:avLst/>
+              </a:prstGeom>
+              <a:blipFill>
+                <a:blip r:embed="rId5"/>
+                <a:stretch>
+                  <a:fillRect l="-2100" t="-2326"/>
+                </a:stretch>
+              </a:blipFill>
+            </p:spPr>
+            <p:txBody>
+              <a:bodyPr/>
+              <a:lstStyle/>
+              <a:p>
+                <a:r>
+                  <a:rPr lang="en-US">
+                    <a:noFill/>
+                  </a:rPr>
+                  <a:t> </a:t>
+                </a:r>
+              </a:p>
+            </p:txBody>
+          </p:sp>
+        </mc:Fallback>
+      </mc:AlternateContent>
+      <p:sp>
+        <p:nvSpPr>
+          <p:cNvPr id="13" name="TextBox 12">
+            <a:extLst>
+              <a:ext uri="{FF2B5EF4-FFF2-40B4-BE49-F238E27FC236}">
+                <a16:creationId xmlns:a16="http://schemas.microsoft.com/office/drawing/2014/main" id="{1B7DEA13-EC9F-69C9-4ECB-C1128621879D}"/>
+              </a:ext>
+            </a:extLst>
+          </p:cNvPr>
+          <p:cNvSpPr txBox="1"/>
+          <p:nvPr/>
+        </p:nvSpPr>
+        <p:spPr>
+          <a:xfrm>
+            <a:off x="621792" y="1956816"/>
+            <a:ext cx="184731" cy="646331"/>
+          </a:xfrm>
+          <a:prstGeom prst="rect">
+            <a:avLst/>
+          </a:prstGeom>
+          <a:noFill/>
+        </p:spPr>
+        <p:txBody>
+          <a:bodyPr wrap="none" rtlCol="0">
+            <a:spAutoFit/>
+          </a:bodyPr>
+          <a:lstStyle/>
+          <a:p>
+            <a:endParaRPr lang="en-US" dirty="0"/>
+          </a:p>
+          <a:p>
+            <a:endParaRPr lang="en-US" dirty="0"/>
+          </a:p>
+        </p:txBody>
+      </p:sp>
+      <p:pic>
+        <p:nvPicPr>
+          <p:cNvPr id="10" name="Picture 9">
+            <a:extLst>
+              <a:ext uri="{FF2B5EF4-FFF2-40B4-BE49-F238E27FC236}">
+                <a16:creationId xmlns:a16="http://schemas.microsoft.com/office/drawing/2014/main" id="{95D2AADF-3205-229B-CB27-DC5FFF173743}"/>
+              </a:ext>
+            </a:extLst>
+          </p:cNvPr>
+          <p:cNvPicPr>
+            <a:picLocks/>
+          </p:cNvPicPr>
+          <p:nvPr/>
+        </p:nvPicPr>
+        <p:blipFill>
+          <a:blip r:embed="rId6"/>
+          <a:stretch>
+            <a:fillRect/>
+          </a:stretch>
+        </p:blipFill>
+        <p:spPr>
+          <a:xfrm>
+            <a:off x="621792" y="2289620"/>
+            <a:ext cx="5606176" cy="3280171"/>
+          </a:xfrm>
+          <a:prstGeom prst="rect">
+            <a:avLst/>
+          </a:prstGeom>
+        </p:spPr>
+      </p:pic>
+      <mc:AlternateContent xmlns:mc="http://schemas.openxmlformats.org/markup-compatibility/2006" xmlns:a14="http://schemas.microsoft.com/office/drawing/2010/main">
+        <mc:Choice Requires="a14">
+          <p:sp>
+            <p:nvSpPr>
+              <p:cNvPr id="15" name="TextBox 14">
+                <a:extLst>
+                  <a:ext uri="{FF2B5EF4-FFF2-40B4-BE49-F238E27FC236}">
+                    <a16:creationId xmlns:a16="http://schemas.microsoft.com/office/drawing/2014/main" id="{D6E7C66B-E86B-7F5A-3D0E-9A0967063CBE}"/>
+                  </a:ext>
+                </a:extLst>
+              </p:cNvPr>
+              <p:cNvSpPr txBox="1"/>
+              <p:nvPr/>
+            </p:nvSpPr>
+            <p:spPr>
+              <a:xfrm>
+                <a:off x="2215685" y="1920288"/>
+                <a:ext cx="2472458" cy="369332"/>
+              </a:xfrm>
+              <a:prstGeom prst="rect">
+                <a:avLst/>
+              </a:prstGeom>
+              <a:noFill/>
+            </p:spPr>
+            <p:txBody>
+              <a:bodyPr wrap="square" rtlCol="0">
+                <a:spAutoFit/>
+              </a:bodyPr>
+              <a:lstStyle/>
+              <a:p>
+                <a:pPr algn="ctr"/>
+                <a14:m>
+                  <m:oMath xmlns:m="http://schemas.openxmlformats.org/officeDocument/2006/math">
+                    <m:r>
+                      <a:rPr lang="en-US" i="1" smtClean="0">
+                        <a:latin typeface="Cambria Math" panose="02040503050406030204" pitchFamily="18" charset="0"/>
+                        <a:ea typeface="Cambria Math" panose="02040503050406030204" pitchFamily="18" charset="0"/>
+                      </a:rPr>
+                      <m:t>𝜇</m:t>
+                    </m:r>
+                  </m:oMath>
+                </a14:m>
+                <a:r>
+                  <a:rPr lang="en-US" dirty="0"/>
+                  <a:t> – mean vector</a:t>
+                </a:r>
+              </a:p>
+            </p:txBody>
+          </p:sp>
+        </mc:Choice>
+        <mc:Fallback xmlns="">
+          <p:sp>
+            <p:nvSpPr>
+              <p:cNvPr id="15" name="TextBox 14">
+                <a:extLst>
+                  <a:ext uri="{FF2B5EF4-FFF2-40B4-BE49-F238E27FC236}">
+                    <a16:creationId xmlns:a16="http://schemas.microsoft.com/office/drawing/2014/main" id="{D6E7C66B-E86B-7F5A-3D0E-9A0967063CBE}"/>
+                  </a:ext>
+                </a:extLst>
+              </p:cNvPr>
+              <p:cNvSpPr txBox="1">
+                <a:spLocks noRot="1" noChangeAspect="1" noMove="1" noResize="1" noEditPoints="1" noAdjustHandles="1" noChangeArrowheads="1" noChangeShapeType="1" noTextEdit="1"/>
+              </p:cNvSpPr>
+              <p:nvPr/>
+            </p:nvSpPr>
+            <p:spPr>
+              <a:xfrm>
+                <a:off x="2215685" y="1920288"/>
+                <a:ext cx="2472458" cy="369332"/>
+              </a:xfrm>
+              <a:prstGeom prst="rect">
+                <a:avLst/>
+              </a:prstGeom>
+              <a:blipFill>
+                <a:blip r:embed="rId7"/>
+                <a:stretch>
+                  <a:fillRect t="-6667" b="-26667"/>
+                </a:stretch>
+              </a:blipFill>
+            </p:spPr>
+            <p:txBody>
+              <a:bodyPr/>
+              <a:lstStyle/>
+              <a:p>
+                <a:r>
+                  <a:rPr lang="en-US">
+                    <a:noFill/>
+                  </a:rPr>
+                  <a:t> </a:t>
+                </a:r>
+              </a:p>
+            </p:txBody>
+          </p:sp>
+        </mc:Fallback>
+      </mc:AlternateContent>
+      <mc:AlternateContent xmlns:mc="http://schemas.openxmlformats.org/markup-compatibility/2006" xmlns:a14="http://schemas.microsoft.com/office/drawing/2010/main">
+        <mc:Choice Requires="a14">
+          <p:sp>
+            <p:nvSpPr>
+              <p:cNvPr id="16" name="TextBox 15">
+                <a:extLst>
+                  <a:ext uri="{FF2B5EF4-FFF2-40B4-BE49-F238E27FC236}">
+                    <a16:creationId xmlns:a16="http://schemas.microsoft.com/office/drawing/2014/main" id="{F08239D5-998C-8F7B-F1DB-E154F46377CD}"/>
+                  </a:ext>
+                </a:extLst>
+              </p:cNvPr>
+              <p:cNvSpPr txBox="1"/>
+              <p:nvPr/>
+            </p:nvSpPr>
+            <p:spPr>
+              <a:xfrm>
+                <a:off x="2276976" y="5683911"/>
+                <a:ext cx="2349876" cy="369332"/>
+              </a:xfrm>
+              <a:prstGeom prst="rect">
+                <a:avLst/>
+              </a:prstGeom>
+              <a:noFill/>
+            </p:spPr>
+            <p:txBody>
+              <a:bodyPr wrap="square" rtlCol="0">
+                <a:spAutoFit/>
+              </a:bodyPr>
+              <a:lstStyle/>
+              <a:p>
+                <a14:m>
+                  <m:oMath xmlns:m="http://schemas.openxmlformats.org/officeDocument/2006/math">
+                    <m:r>
+                      <a:rPr lang="en-US" i="1" smtClean="0">
+                        <a:latin typeface="Cambria Math" panose="02040503050406030204" pitchFamily="18" charset="0"/>
+                        <a:ea typeface="Cambria Math" panose="02040503050406030204" pitchFamily="18" charset="0"/>
+                      </a:rPr>
+                      <m:t>𝜎</m:t>
+                    </m:r>
+                    <m:r>
+                      <a:rPr lang="en-US" b="0" i="1" smtClean="0">
+                        <a:latin typeface="Cambria Math" panose="02040503050406030204" pitchFamily="18" charset="0"/>
+                        <a:ea typeface="Cambria Math" panose="02040503050406030204" pitchFamily="18" charset="0"/>
+                      </a:rPr>
+                      <m:t> </m:t>
+                    </m:r>
+                  </m:oMath>
+                </a14:m>
+                <a:r>
+                  <a:rPr lang="en-US" dirty="0"/>
+                  <a:t>– standard deviation </a:t>
+                </a:r>
+              </a:p>
+            </p:txBody>
+          </p:sp>
+        </mc:Choice>
+        <mc:Fallback xmlns="">
+          <p:sp>
+            <p:nvSpPr>
+              <p:cNvPr id="16" name="TextBox 15">
+                <a:extLst>
+                  <a:ext uri="{FF2B5EF4-FFF2-40B4-BE49-F238E27FC236}">
+                    <a16:creationId xmlns:a16="http://schemas.microsoft.com/office/drawing/2014/main" id="{F08239D5-998C-8F7B-F1DB-E154F46377CD}"/>
+                  </a:ext>
+                </a:extLst>
+              </p:cNvPr>
+              <p:cNvSpPr txBox="1">
+                <a:spLocks noRot="1" noChangeAspect="1" noMove="1" noResize="1" noEditPoints="1" noAdjustHandles="1" noChangeArrowheads="1" noChangeShapeType="1" noTextEdit="1"/>
+              </p:cNvSpPr>
+              <p:nvPr/>
+            </p:nvSpPr>
+            <p:spPr>
+              <a:xfrm>
+                <a:off x="2276976" y="5683911"/>
+                <a:ext cx="2349876" cy="369332"/>
+              </a:xfrm>
+              <a:prstGeom prst="rect">
+                <a:avLst/>
+              </a:prstGeom>
+              <a:blipFill>
+                <a:blip r:embed="rId8"/>
+                <a:stretch>
+                  <a:fillRect t="-6667" r="-1075" b="-26667"/>
+                </a:stretch>
+              </a:blipFill>
+            </p:spPr>
+            <p:txBody>
+              <a:bodyPr/>
+              <a:lstStyle/>
+              <a:p>
+                <a:r>
+                  <a:rPr lang="en-US">
+                    <a:noFill/>
+                  </a:rPr>
+                  <a:t> </a:t>
+                </a:r>
+              </a:p>
+            </p:txBody>
+          </p:sp>
+        </mc:Fallback>
+      </mc:AlternateContent>
+      <p:sp>
+        <p:nvSpPr>
+          <p:cNvPr id="19" name="U-Turn Arrow 18">
+            <a:extLst>
+              <a:ext uri="{FF2B5EF4-FFF2-40B4-BE49-F238E27FC236}">
+                <a16:creationId xmlns:a16="http://schemas.microsoft.com/office/drawing/2014/main" id="{3BB69D20-5AD0-E8AF-8AA4-79BEBA557E6D}"/>
+              </a:ext>
+            </a:extLst>
+          </p:cNvPr>
+          <p:cNvSpPr/>
+          <p:nvPr/>
+        </p:nvSpPr>
+        <p:spPr>
+          <a:xfrm rot="16200000">
+            <a:off x="2583946" y="4660059"/>
+            <a:ext cx="1210336" cy="174191"/>
+          </a:xfrm>
+          <a:prstGeom prst="uturnArrow">
+            <a:avLst>
+              <a:gd name="adj1" fmla="val 25000"/>
+              <a:gd name="adj2" fmla="val 25000"/>
+              <a:gd name="adj3" fmla="val 35508"/>
+              <a:gd name="adj4" fmla="val 48960"/>
+              <a:gd name="adj5" fmla="val 75000"/>
+            </a:avLst>
+          </a:prstGeom>
+        </p:spPr>
+        <p:style>
+          <a:lnRef idx="2">
+            <a:schemeClr val="accent1">
+              <a:shade val="50000"/>
+            </a:schemeClr>
+          </a:lnRef>
+          <a:fillRef idx="1">
+            <a:schemeClr val="accent1"/>
+          </a:fillRef>
+          <a:effectRef idx="0">
+            <a:schemeClr val="accent1"/>
+          </a:effectRef>
+          <a:fontRef idx="minor">
+            <a:schemeClr val="lt1"/>
+          </a:fontRef>
+        </p:style>
+        <p:txBody>
+          <a:bodyPr rtlCol="0" anchor="ctr"/>
+          <a:lstStyle/>
+          <a:p>
+            <a:pPr algn="ctr"/>
+            <a:endParaRPr lang="en-US">
+              <a:solidFill>
+                <a:schemeClr val="tx1"/>
+              </a:solidFill>
+            </a:endParaRPr>
+          </a:p>
+        </p:txBody>
+      </p:sp>
+      <p:sp>
+        <p:nvSpPr>
+          <p:cNvPr id="20" name="U-Turn Arrow 19">
+            <a:extLst>
+              <a:ext uri="{FF2B5EF4-FFF2-40B4-BE49-F238E27FC236}">
+                <a16:creationId xmlns:a16="http://schemas.microsoft.com/office/drawing/2014/main" id="{5EA7D8FD-714B-72CA-EE31-8EEE1E6B427A}"/>
+              </a:ext>
+            </a:extLst>
+          </p:cNvPr>
+          <p:cNvSpPr/>
+          <p:nvPr/>
+        </p:nvSpPr>
+        <p:spPr>
+          <a:xfrm rot="5400000" flipV="1">
+            <a:off x="2573174" y="3050578"/>
+            <a:ext cx="1210336" cy="174191"/>
+          </a:xfrm>
+          <a:prstGeom prst="uturnArrow">
+            <a:avLst>
+              <a:gd name="adj1" fmla="val 25000"/>
+              <a:gd name="adj2" fmla="val 25000"/>
+              <a:gd name="adj3" fmla="val 35508"/>
+              <a:gd name="adj4" fmla="val 48960"/>
+              <a:gd name="adj5" fmla="val 75000"/>
+            </a:avLst>
+          </a:prstGeom>
+        </p:spPr>
+        <p:style>
+          <a:lnRef idx="2">
+            <a:schemeClr val="accent1">
+              <a:shade val="50000"/>
+            </a:schemeClr>
+          </a:lnRef>
+          <a:fillRef idx="1">
+            <a:schemeClr val="accent1"/>
+          </a:fillRef>
+          <a:effectRef idx="0">
+            <a:schemeClr val="accent1"/>
+          </a:effectRef>
+          <a:fontRef idx="minor">
+            <a:schemeClr val="lt1"/>
+          </a:fontRef>
+        </p:style>
+        <p:txBody>
+          <a:bodyPr rtlCol="0" anchor="ctr"/>
+          <a:lstStyle/>
+          <a:p>
+            <a:pPr algn="ctr"/>
+            <a:endParaRPr lang="en-US">
+              <a:solidFill>
+                <a:schemeClr val="tx1"/>
+              </a:solidFill>
+            </a:endParaRPr>
+          </a:p>
+        </p:txBody>
+      </p:sp>
+      <mc:AlternateContent xmlns:mc="http://schemas.openxmlformats.org/markup-compatibility/2006">
+        <mc:Choice xmlns:a14="http://schemas.microsoft.com/office/drawing/2010/main" Requires="a14">
+          <p:sp>
+            <p:nvSpPr>
+              <p:cNvPr id="23" name="TextBox 22">
+                <a:extLst>
+                  <a:ext uri="{FF2B5EF4-FFF2-40B4-BE49-F238E27FC236}">
+                    <a16:creationId xmlns:a16="http://schemas.microsoft.com/office/drawing/2014/main" id="{0B7B3BDB-76BB-97DB-1550-2F2F3F63E580}"/>
+                  </a:ext>
+                </a:extLst>
+              </p:cNvPr>
+              <p:cNvSpPr txBox="1"/>
+              <p:nvPr/>
+            </p:nvSpPr>
+            <p:spPr>
+              <a:xfrm>
+                <a:off x="3782833" y="3755217"/>
+                <a:ext cx="1955372" cy="369332"/>
+              </a:xfrm>
+              <a:prstGeom prst="rect">
+                <a:avLst/>
+              </a:prstGeom>
+              <a:noFill/>
+            </p:spPr>
+            <p:txBody>
+              <a:bodyPr wrap="square" rtlCol="0">
+                <a:spAutoFit/>
+              </a:bodyPr>
+              <a:lstStyle/>
+              <a:p>
+                <a:r>
+                  <a:rPr lang="en-US" dirty="0"/>
+                  <a:t>decoder: </a:t>
+                </a:r>
+                <a14:m>
+                  <m:oMath xmlns:m="http://schemas.openxmlformats.org/officeDocument/2006/math">
+                    <m:sSub>
+                      <m:sSubPr>
+                        <m:ctrlPr>
+                          <a:rPr lang="en-US" i="1" dirty="0" smtClean="0">
+                            <a:latin typeface="Cambria Math" panose="02040503050406030204" pitchFamily="18" charset="0"/>
+                          </a:rPr>
+                        </m:ctrlPr>
+                      </m:sSubPr>
+                      <m:e>
+                        <m:r>
+                          <a:rPr lang="en-US" b="0" i="1" dirty="0" smtClean="0">
+                            <a:latin typeface="Cambria Math" panose="02040503050406030204" pitchFamily="18" charset="0"/>
+                          </a:rPr>
+                          <m:t>𝑝</m:t>
+                        </m:r>
+                      </m:e>
+                      <m:sub>
+                        <m:r>
+                          <a:rPr lang="en-US" i="1" dirty="0" smtClean="0">
+                            <a:latin typeface="Cambria Math" panose="02040503050406030204" pitchFamily="18" charset="0"/>
+                            <a:ea typeface="Cambria Math" panose="02040503050406030204" pitchFamily="18" charset="0"/>
+                          </a:rPr>
+                          <m:t>𝜃</m:t>
+                        </m:r>
+                      </m:sub>
+                    </m:sSub>
+                    <m:r>
+                      <a:rPr lang="en-US" b="0" i="1" dirty="0" smtClean="0">
+                        <a:latin typeface="Cambria Math" panose="02040503050406030204" pitchFamily="18" charset="0"/>
+                      </a:rPr>
+                      <m:t>(</m:t>
+                    </m:r>
+                    <m:r>
+                      <a:rPr lang="en-US" b="0" i="1" dirty="0" smtClean="0">
+                        <a:latin typeface="Cambria Math" panose="02040503050406030204" pitchFamily="18" charset="0"/>
+                      </a:rPr>
+                      <m:t>𝑥</m:t>
+                    </m:r>
+                    <m:r>
+                      <a:rPr lang="en-US" b="0" i="1" dirty="0" smtClean="0">
+                        <a:latin typeface="Cambria Math" panose="02040503050406030204" pitchFamily="18" charset="0"/>
+                      </a:rPr>
+                      <m:t>|</m:t>
+                    </m:r>
+                    <m:r>
+                      <a:rPr lang="en-US" b="0" i="1" dirty="0" smtClean="0">
+                        <a:latin typeface="Cambria Math" panose="02040503050406030204" pitchFamily="18" charset="0"/>
+                      </a:rPr>
+                      <m:t>𝑧</m:t>
+                    </m:r>
+                    <m:r>
+                      <a:rPr lang="en-US" b="0" i="1" dirty="0" smtClean="0">
+                        <a:latin typeface="Cambria Math" panose="02040503050406030204" pitchFamily="18" charset="0"/>
+                      </a:rPr>
+                      <m:t>)</m:t>
+                    </m:r>
+                  </m:oMath>
+                </a14:m>
+                <a:r>
+                  <a:rPr lang="en-US" dirty="0"/>
+                  <a:t> </a:t>
+                </a:r>
+              </a:p>
+            </p:txBody>
+          </p:sp>
+        </mc:Choice>
+        <mc:Fallback>
+          <p:sp>
+            <p:nvSpPr>
+              <p:cNvPr id="23" name="TextBox 22">
+                <a:extLst>
+                  <a:ext uri="{FF2B5EF4-FFF2-40B4-BE49-F238E27FC236}">
+                    <a16:creationId xmlns:a16="http://schemas.microsoft.com/office/drawing/2014/main" id="{0B7B3BDB-76BB-97DB-1550-2F2F3F63E580}"/>
+                  </a:ext>
+                </a:extLst>
+              </p:cNvPr>
+              <p:cNvSpPr txBox="1">
+                <a:spLocks noRot="1" noChangeAspect="1" noMove="1" noResize="1" noEditPoints="1" noAdjustHandles="1" noChangeArrowheads="1" noChangeShapeType="1" noTextEdit="1"/>
+              </p:cNvSpPr>
+              <p:nvPr/>
+            </p:nvSpPr>
+            <p:spPr>
+              <a:xfrm>
+                <a:off x="3782833" y="3755217"/>
+                <a:ext cx="1955372" cy="369332"/>
+              </a:xfrm>
+              <a:prstGeom prst="rect">
+                <a:avLst/>
+              </a:prstGeom>
+              <a:blipFill>
+                <a:blip r:embed="rId9"/>
+                <a:stretch>
+                  <a:fillRect l="-3247" t="-6667" b="-26667"/>
+                </a:stretch>
+              </a:blipFill>
+            </p:spPr>
+            <p:txBody>
+              <a:bodyPr/>
+              <a:lstStyle/>
+              <a:p>
+                <a:r>
+                  <a:rPr lang="en-US">
+                    <a:noFill/>
+                  </a:rPr>
+                  <a:t> </a:t>
+                </a:r>
+              </a:p>
+            </p:txBody>
+          </p:sp>
+        </mc:Fallback>
+      </mc:AlternateContent>
+      <mc:AlternateContent xmlns:mc="http://schemas.openxmlformats.org/markup-compatibility/2006">
+        <mc:Choice xmlns:a14="http://schemas.microsoft.com/office/drawing/2010/main" Requires="a14">
+          <p:sp>
+            <p:nvSpPr>
+              <p:cNvPr id="24" name="TextBox 23">
+                <a:extLst>
+                  <a:ext uri="{FF2B5EF4-FFF2-40B4-BE49-F238E27FC236}">
+                    <a16:creationId xmlns:a16="http://schemas.microsoft.com/office/drawing/2014/main" id="{C07139F6-C44A-98DE-F3EA-B2319E75B239}"/>
+                  </a:ext>
+                </a:extLst>
+              </p:cNvPr>
+              <p:cNvSpPr txBox="1"/>
+              <p:nvPr/>
+            </p:nvSpPr>
+            <p:spPr>
+              <a:xfrm>
+                <a:off x="1233888" y="3742842"/>
+                <a:ext cx="2086175" cy="394082"/>
+              </a:xfrm>
+              <a:prstGeom prst="rect">
+                <a:avLst/>
+              </a:prstGeom>
+              <a:noFill/>
+            </p:spPr>
+            <p:txBody>
+              <a:bodyPr wrap="square" rtlCol="0">
+                <a:spAutoFit/>
+              </a:bodyPr>
+              <a:lstStyle/>
+              <a:p>
+                <a:r>
+                  <a:rPr lang="en-US" dirty="0"/>
+                  <a:t>encoder: </a:t>
+                </a:r>
+                <a14:m>
+                  <m:oMath xmlns:m="http://schemas.openxmlformats.org/officeDocument/2006/math">
+                    <m:sSub>
+                      <m:sSubPr>
+                        <m:ctrlPr>
+                          <a:rPr lang="en-US" i="1" dirty="0" smtClean="0">
+                            <a:latin typeface="Cambria Math" panose="02040503050406030204" pitchFamily="18" charset="0"/>
+                          </a:rPr>
+                        </m:ctrlPr>
+                      </m:sSubPr>
+                      <m:e>
+                        <m:r>
+                          <a:rPr lang="en-US" i="1" dirty="0" smtClean="0">
+                            <a:latin typeface="Cambria Math" panose="02040503050406030204" pitchFamily="18" charset="0"/>
+                          </a:rPr>
+                          <m:t>𝑞</m:t>
+                        </m:r>
+                      </m:e>
+                      <m:sub>
+                        <m:r>
+                          <a:rPr lang="en-US" i="1" dirty="0" smtClean="0">
+                            <a:latin typeface="Cambria Math" panose="02040503050406030204" pitchFamily="18" charset="0"/>
+                          </a:rPr>
+                          <m:t>𝜙</m:t>
+                        </m:r>
+                      </m:sub>
+                    </m:sSub>
+                    <m:r>
+                      <a:rPr lang="en-US" b="0" i="1" dirty="0" smtClean="0">
+                        <a:latin typeface="Cambria Math" panose="02040503050406030204" pitchFamily="18" charset="0"/>
+                      </a:rPr>
+                      <m:t>(</m:t>
+                    </m:r>
+                    <m:r>
+                      <a:rPr lang="en-US" b="0" i="1" dirty="0" smtClean="0">
+                        <a:latin typeface="Cambria Math" panose="02040503050406030204" pitchFamily="18" charset="0"/>
+                      </a:rPr>
+                      <m:t>𝑧</m:t>
+                    </m:r>
+                    <m:r>
+                      <a:rPr lang="en-US" b="0" i="1" dirty="0" smtClean="0">
+                        <a:latin typeface="Cambria Math" panose="02040503050406030204" pitchFamily="18" charset="0"/>
+                      </a:rPr>
+                      <m:t>|</m:t>
+                    </m:r>
+                    <m:r>
+                      <a:rPr lang="en-US" b="0" i="1" dirty="0" smtClean="0">
+                        <a:latin typeface="Cambria Math" panose="02040503050406030204" pitchFamily="18" charset="0"/>
+                      </a:rPr>
+                      <m:t>𝑥</m:t>
+                    </m:r>
+                    <m:r>
+                      <a:rPr lang="en-US" b="0" i="1" dirty="0" smtClean="0">
+                        <a:latin typeface="Cambria Math" panose="02040503050406030204" pitchFamily="18" charset="0"/>
+                      </a:rPr>
+                      <m:t>)</m:t>
+                    </m:r>
+                  </m:oMath>
+                </a14:m>
+                <a:r>
+                  <a:rPr lang="en-US" dirty="0"/>
+                  <a:t>  </a:t>
+                </a:r>
+              </a:p>
+            </p:txBody>
+          </p:sp>
+        </mc:Choice>
+        <mc:Fallback>
+          <p:sp>
+            <p:nvSpPr>
+              <p:cNvPr id="24" name="TextBox 23">
+                <a:extLst>
+                  <a:ext uri="{FF2B5EF4-FFF2-40B4-BE49-F238E27FC236}">
+                    <a16:creationId xmlns:a16="http://schemas.microsoft.com/office/drawing/2014/main" id="{C07139F6-C44A-98DE-F3EA-B2319E75B239}"/>
+                  </a:ext>
+                </a:extLst>
+              </p:cNvPr>
+              <p:cNvSpPr txBox="1">
+                <a:spLocks noRot="1" noChangeAspect="1" noMove="1" noResize="1" noEditPoints="1" noAdjustHandles="1" noChangeArrowheads="1" noChangeShapeType="1" noTextEdit="1"/>
+              </p:cNvSpPr>
+              <p:nvPr/>
+            </p:nvSpPr>
+            <p:spPr>
+              <a:xfrm>
+                <a:off x="1233888" y="3742842"/>
+                <a:ext cx="2086175" cy="394082"/>
+              </a:xfrm>
+              <a:prstGeom prst="rect">
+                <a:avLst/>
+              </a:prstGeom>
+              <a:blipFill>
+                <a:blip r:embed="rId10"/>
+                <a:stretch>
+                  <a:fillRect l="-1807" t="-6250" b="-18750"/>
+                </a:stretch>
+              </a:blipFill>
+            </p:spPr>
+            <p:txBody>
+              <a:bodyPr/>
+              <a:lstStyle/>
+              <a:p>
+                <a:r>
+                  <a:rPr lang="en-US">
+                    <a:noFill/>
+                  </a:rPr>
+                  <a:t> </a:t>
+                </a:r>
+              </a:p>
+            </p:txBody>
+          </p:sp>
+        </mc:Fallback>
+      </mc:AlternateContent>
+    </p:spTree>
+    <p:extLst>
+      <p:ext uri="{BB962C8B-B14F-4D97-AF65-F5344CB8AC3E}">
+        <p14:creationId xmlns:p14="http://schemas.microsoft.com/office/powerpoint/2010/main" val="4260055462"/>
+      </p:ext>
+    </p:extLst>
+  </p:cSld>
+  <p:clrMapOvr>
+    <a:masterClrMapping/>
+  </p:clrMapOvr>
+</p:sld>
+</file>
+
+<file path=ppt/slides/slide7.xml><?xml version="1.0" encoding="utf-8"?>
+<p:sld xmlns:a="http://schemas.openxmlformats.org/drawingml/2006/main" xmlns:r="http://schemas.openxmlformats.org/officeDocument/2006/relationships" xmlns:p="http://schemas.openxmlformats.org/presentationml/2006/main">
+  <p:cSld>
+    <p:spTree>
+      <p:nvGrpSpPr>
+        <p:cNvPr id="1" name=""/>
+        <p:cNvGrpSpPr/>
+        <p:nvPr/>
+      </p:nvGrpSpPr>
+      <p:grpSpPr>
+        <a:xfrm>
+          <a:off x="0" y="0"/>
+          <a:ext cx="0" cy="0"/>
+          <a:chOff x="0" y="0"/>
+          <a:chExt cx="0" cy="0"/>
+        </a:xfrm>
+      </p:grpSpPr>
+      <p:sp>
+        <p:nvSpPr>
+          <p:cNvPr id="2" name="Title 1">
+            <a:extLst>
+              <a:ext uri="{FF2B5EF4-FFF2-40B4-BE49-F238E27FC236}">
+                <a16:creationId xmlns:a16="http://schemas.microsoft.com/office/drawing/2014/main" id="{ED802C9F-AB2B-2435-56D7-8278FE85DFE5}"/>
+              </a:ext>
+            </a:extLst>
+          </p:cNvPr>
+          <p:cNvSpPr>
+            <a:spLocks noGrp="1"/>
+          </p:cNvSpPr>
+          <p:nvPr>
+            <p:ph type="title"/>
+          </p:nvPr>
+        </p:nvSpPr>
+        <p:spPr/>
+        <p:txBody>
+          <a:bodyPr/>
+          <a:lstStyle/>
+          <a:p>
+            <a:r>
+              <a:rPr lang="en-US" dirty="0"/>
+              <a:t>VAE’s Objective Function</a:t>
+            </a:r>
           </a:p>
         </p:txBody>
       </p:sp>
@@ -4282,7 +7258,7 @@
           <p:cNvPr id="3" name="Content Placeholder 2">
             <a:extLst>
               <a:ext uri="{FF2B5EF4-FFF2-40B4-BE49-F238E27FC236}">
-                <a16:creationId xmlns:a16="http://schemas.microsoft.com/office/drawing/2014/main" id="{FC487C85-7975-DA32-9ED9-5ACCDBECC725}"/>
+                <a16:creationId xmlns:a16="http://schemas.microsoft.com/office/drawing/2014/main" id="{2ADCC9C0-245B-4ABE-AFD5-F7666C8DA29B}"/>
               </a:ext>
             </a:extLst>
           </p:cNvPr>
@@ -4305,7 +7281,7 @@
     </p:spTree>
     <p:extLst>
       <p:ext uri="{BB962C8B-B14F-4D97-AF65-F5344CB8AC3E}">
-        <p14:creationId xmlns:p14="http://schemas.microsoft.com/office/powerpoint/2010/main" val="912203203"/>
+        <p14:creationId xmlns:p14="http://schemas.microsoft.com/office/powerpoint/2010/main" val="755354543"/>
       </p:ext>
     </p:extLst>
   </p:cSld>
@@ -4615,6 +7591,9 @@
   <wetp:taskpane dockstate="right" visibility="0" width="350" row="0">
     <wetp:webextensionref xmlns:r="http://schemas.openxmlformats.org/officeDocument/2006/relationships" r:id="rId1"/>
   </wetp:taskpane>
+  <wetp:taskpane dockstate="right" visibility="0" width="350" row="0">
+    <wetp:webextensionref xmlns:r="http://schemas.openxmlformats.org/officeDocument/2006/relationships" r:id="rId2"/>
+  </wetp:taskpane>
 </wetp:taskpanes>
 </file>
 
@@ -4628,4 +7607,16 @@
   <we:bindings/>
   <we:snapshot xmlns:r="http://schemas.openxmlformats.org/officeDocument/2006/relationships"/>
 </we:webextension>
+</file>
+
+<file path=ppt/webextensions/webextension2.xml><?xml version="1.0" encoding="utf-8"?>
+<we:webextension xmlns:we="http://schemas.microsoft.com/office/webextensions/webextension/2010/11" id="{267EB782-86AF-7D4A-BBC0-4E14A11037A3}">
+  <we:reference id="wa200004052" version="1.0.0.2" store="en-US" storeType="OMEX"/>
+  <we:alternateReferences>
+    <we:reference id="WA200004052" version="1.0.0.2" store="" storeType="OMEX"/>
+  </we:alternateReferences>
+  <we:properties/>
+  <we:bindings/>
+  <we:snapshot xmlns:r="http://schemas.openxmlformats.org/officeDocument/2006/relationships"/>
+</we:webextension>
 </file>